--- a/Slides/03 - Managing Relationships.pptx
+++ b/Slides/03 - Managing Relationships.pptx
@@ -223,7 +223,7 @@
           <a:p>
             <a:fld id="{312E7B4A-039C-48A2-9B2C-AF16AA3873D8}" type="datetimeFigureOut">
               <a:rPr lang="en-US" smtClean="0"/>
-              <a:t>1/24/2015</a:t>
+              <a:t>1/26/2015</a:t>
             </a:fld>
             <a:endParaRPr lang="en-US"/>
           </a:p>
@@ -388,7 +388,7 @@
           <a:p>
             <a:fld id="{DA005A0C-54D9-45AA-87D4-C551D08DFCE1}" type="datetimeFigureOut">
               <a:rPr lang="en-US" smtClean="0"/>
-              <a:t>1/24/2015</a:t>
+              <a:t>1/26/2015</a:t>
             </a:fld>
             <a:endParaRPr lang="en-US"/>
           </a:p>
@@ -3456,15 +3456,7 @@
             <a:pPr marL="914400" indent="-914400"/>
             <a:r>
               <a:rPr lang="en-US" dirty="0" smtClean="0"/>
-              <a:t>03 </a:t>
-            </a:r>
-            <a:r>
-              <a:rPr lang="en-US" dirty="0" smtClean="0"/>
-              <a:t>| </a:t>
-            </a:r>
-            <a:r>
-              <a:rPr lang="en-US" dirty="0" smtClean="0"/>
-              <a:t>Managing Relationships</a:t>
+              <a:t>03 | Managing Relationships</a:t>
             </a:r>
             <a:endParaRPr lang="en-US" dirty="0"/>
           </a:p>
@@ -3487,8 +3479,17 @@
           <a:p>
             <a:r>
               <a:rPr lang="en-US" dirty="0" smtClean="0"/>
-              <a:t>Adam Tuliper | Developer Evangelist</a:t>
-            </a:r>
+              <a:t>Adam Tuliper </a:t>
+            </a:r>
+            <a:r>
+              <a:rPr lang="en-US" smtClean="0"/>
+              <a:t>| </a:t>
+            </a:r>
+            <a:r>
+              <a:rPr lang="en-US" smtClean="0"/>
+              <a:t>Technical Evangelist</a:t>
+            </a:r>
+            <a:endParaRPr lang="en-US" dirty="0" smtClean="0"/>
           </a:p>
           <a:p>
             <a:r>
@@ -7290,18 +7291,18 @@
 </file>
 
 <file path=customXml/item1.xml><?xml version="1.0" encoding="utf-8"?>
+<p:properties xmlns:p="http://schemas.microsoft.com/office/2006/metadata/properties" xmlns:xsi="http://www.w3.org/2001/XMLSchema-instance" xmlns:pc="http://schemas.microsoft.com/office/infopath/2007/PartnerControls">
+  <documentManagement/>
+</p:properties>
+</file>
+
+<file path=customXml/item2.xml><?xml version="1.0" encoding="utf-8"?>
 <?mso-contentType ?>
 <FormTemplates xmlns="http://schemas.microsoft.com/sharepoint/v3/contenttype/forms">
   <Display>DocumentLibraryForm</Display>
   <Edit>DocumentLibraryForm</Edit>
   <New>DocumentLibraryForm</New>
 </FormTemplates>
-</file>
-
-<file path=customXml/item2.xml><?xml version="1.0" encoding="utf-8"?>
-<p:properties xmlns:p="http://schemas.microsoft.com/office/2006/metadata/properties" xmlns:xsi="http://www.w3.org/2001/XMLSchema-instance" xmlns:pc="http://schemas.microsoft.com/office/infopath/2007/PartnerControls">
-  <documentManagement/>
-</p:properties>
 </file>
 
 <file path=customXml/item3.xml><?xml version="1.0" encoding="utf-8"?>
@@ -7445,14 +7446,6 @@
 </file>
 
 <file path=customXml/itemProps1.xml><?xml version="1.0" encoding="utf-8"?>
-<ds:datastoreItem xmlns:ds="http://schemas.openxmlformats.org/officeDocument/2006/customXml" ds:itemID="{B0CA13EC-1D3C-4D6F-8D1C-E8A452CFC79A}">
-  <ds:schemaRefs>
-    <ds:schemaRef ds:uri="http://schemas.microsoft.com/sharepoint/v3/contenttype/forms"/>
-  </ds:schemaRefs>
-</ds:datastoreItem>
-</file>
-
-<file path=customXml/itemProps2.xml><?xml version="1.0" encoding="utf-8"?>
 <ds:datastoreItem xmlns:ds="http://schemas.openxmlformats.org/officeDocument/2006/customXml" ds:itemID="{7025FDD9-4C58-4084-9F89-0E6ADD6FFF55}">
   <ds:schemaRefs>
     <ds:schemaRef ds:uri="http://purl.org/dc/terms/"/>
@@ -7464,6 +7457,14 @@
     <ds:schemaRef ds:uri="239b4775-11ac-4188-ac69-b5b775bb2155"/>
     <ds:schemaRef ds:uri="http://schemas.microsoft.com/office/2006/metadata/properties"/>
     <ds:schemaRef ds:uri="http://www.w3.org/XML/1998/namespace"/>
+  </ds:schemaRefs>
+</ds:datastoreItem>
+</file>
+
+<file path=customXml/itemProps2.xml><?xml version="1.0" encoding="utf-8"?>
+<ds:datastoreItem xmlns:ds="http://schemas.openxmlformats.org/officeDocument/2006/customXml" ds:itemID="{B0CA13EC-1D3C-4D6F-8D1C-E8A452CFC79A}">
+  <ds:schemaRefs>
+    <ds:schemaRef ds:uri="http://schemas.microsoft.com/sharepoint/v3/contenttype/forms"/>
   </ds:schemaRefs>
 </ds:datastoreItem>
 </file>

--- a/Slides/03 - Managing Relationships.pptx
+++ b/Slides/03 - Managing Relationships.pptx
@@ -5,33 +5,34 @@
     <p:sldMasterId id="2147483660" r:id="rId4"/>
   </p:sldMasterIdLst>
   <p:notesMasterIdLst>
-    <p:notesMasterId r:id="rId26"/>
+    <p:notesMasterId r:id="rId27"/>
   </p:notesMasterIdLst>
   <p:handoutMasterIdLst>
-    <p:handoutMasterId r:id="rId27"/>
+    <p:handoutMasterId r:id="rId28"/>
   </p:handoutMasterIdLst>
   <p:sldIdLst>
     <p:sldId id="283" r:id="rId5"/>
-    <p:sldId id="327" r:id="rId6"/>
-    <p:sldId id="320" r:id="rId7"/>
-    <p:sldId id="326" r:id="rId8"/>
-    <p:sldId id="321" r:id="rId9"/>
-    <p:sldId id="293" r:id="rId10"/>
-    <p:sldId id="322" r:id="rId11"/>
-    <p:sldId id="323" r:id="rId12"/>
-    <p:sldId id="324" r:id="rId13"/>
-    <p:sldId id="325" r:id="rId14"/>
-    <p:sldId id="328" r:id="rId15"/>
-    <p:sldId id="329" r:id="rId16"/>
-    <p:sldId id="330" r:id="rId17"/>
-    <p:sldId id="331" r:id="rId18"/>
-    <p:sldId id="299" r:id="rId19"/>
-    <p:sldId id="332" r:id="rId20"/>
-    <p:sldId id="333" r:id="rId21"/>
-    <p:sldId id="303" r:id="rId22"/>
-    <p:sldId id="302" r:id="rId23"/>
-    <p:sldId id="311" r:id="rId24"/>
-    <p:sldId id="292" r:id="rId25"/>
+    <p:sldId id="334" r:id="rId6"/>
+    <p:sldId id="327" r:id="rId7"/>
+    <p:sldId id="320" r:id="rId8"/>
+    <p:sldId id="326" r:id="rId9"/>
+    <p:sldId id="321" r:id="rId10"/>
+    <p:sldId id="293" r:id="rId11"/>
+    <p:sldId id="322" r:id="rId12"/>
+    <p:sldId id="323" r:id="rId13"/>
+    <p:sldId id="324" r:id="rId14"/>
+    <p:sldId id="325" r:id="rId15"/>
+    <p:sldId id="328" r:id="rId16"/>
+    <p:sldId id="329" r:id="rId17"/>
+    <p:sldId id="330" r:id="rId18"/>
+    <p:sldId id="331" r:id="rId19"/>
+    <p:sldId id="299" r:id="rId20"/>
+    <p:sldId id="332" r:id="rId21"/>
+    <p:sldId id="333" r:id="rId22"/>
+    <p:sldId id="303" r:id="rId23"/>
+    <p:sldId id="302" r:id="rId24"/>
+    <p:sldId id="311" r:id="rId25"/>
+    <p:sldId id="292" r:id="rId26"/>
   </p:sldIdLst>
   <p:sldSz cx="12192000" cy="6858000"/>
   <p:notesSz cx="6858000" cy="9144000"/>
@@ -223,7 +224,7 @@
           <a:p>
             <a:fld id="{312E7B4A-039C-48A2-9B2C-AF16AA3873D8}" type="datetimeFigureOut">
               <a:rPr lang="en-US" smtClean="0"/>
-              <a:t>1/26/2015</a:t>
+              <a:t>1/28/2015</a:t>
             </a:fld>
             <a:endParaRPr lang="en-US"/>
           </a:p>
@@ -388,7 +389,7 @@
           <a:p>
             <a:fld id="{DA005A0C-54D9-45AA-87D4-C551D08DFCE1}" type="datetimeFigureOut">
               <a:rPr lang="en-US" smtClean="0"/>
-              <a:t>1/26/2015</a:t>
+              <a:t>1/28/2015</a:t>
             </a:fld>
             <a:endParaRPr lang="en-US"/>
           </a:p>
@@ -819,7 +820,7 @@
             <a:fld id="{13F0F35F-DD44-4607-AEC1-49D7A4BC4066}" type="slidenum">
               <a:rPr lang="en-US" smtClean="0"/>
               <a:pPr/>
-              <a:t>6</a:t>
+              <a:t>7</a:t>
             </a:fld>
             <a:endParaRPr lang="en-US" dirty="0"/>
           </a:p>
@@ -3483,11 +3484,7 @@
             </a:r>
             <a:r>
               <a:rPr lang="en-US" smtClean="0"/>
-              <a:t>| </a:t>
-            </a:r>
-            <a:r>
-              <a:rPr lang="en-US" smtClean="0"/>
-              <a:t>Technical Evangelist</a:t>
+              <a:t>| Technical Evangelist</a:t>
             </a:r>
             <a:endParaRPr lang="en-US" dirty="0" smtClean="0"/>
           </a:p>
@@ -3521,2159 +3518,6 @@
 </file>
 
 <file path=ppt/slides/slide10.xml><?xml version="1.0" encoding="utf-8"?>
-<p:sld xmlns:a="http://schemas.openxmlformats.org/drawingml/2006/main" xmlns:r="http://schemas.openxmlformats.org/officeDocument/2006/relationships" xmlns:p="http://schemas.openxmlformats.org/presentationml/2006/main">
-  <p:cSld>
-    <p:spTree>
-      <p:nvGrpSpPr>
-        <p:cNvPr id="1" name=""/>
-        <p:cNvGrpSpPr/>
-        <p:nvPr/>
-      </p:nvGrpSpPr>
-      <p:grpSpPr>
-        <a:xfrm>
-          <a:off x="0" y="0"/>
-          <a:ext cx="0" cy="0"/>
-          <a:chOff x="0" y="0"/>
-          <a:chExt cx="0" cy="0"/>
-        </a:xfrm>
-      </p:grpSpPr>
-      <p:sp>
-        <p:nvSpPr>
-          <p:cNvPr id="2" name="Title 1"/>
-          <p:cNvSpPr>
-            <a:spLocks noGrp="1"/>
-          </p:cNvSpPr>
-          <p:nvPr>
-            <p:ph type="title"/>
-          </p:nvPr>
-        </p:nvSpPr>
-        <p:spPr/>
-        <p:txBody>
-          <a:bodyPr/>
-          <a:lstStyle/>
-          <a:p>
-            <a:r>
-              <a:rPr lang="en-US" dirty="0" smtClean="0"/>
-              <a:t>How do we support lazy loading?</a:t>
-            </a:r>
-            <a:endParaRPr lang="en-US" dirty="0"/>
-          </a:p>
-        </p:txBody>
-      </p:sp>
-      <p:sp>
-        <p:nvSpPr>
-          <p:cNvPr id="3" name="Content Placeholder 2"/>
-          <p:cNvSpPr>
-            <a:spLocks noGrp="1"/>
-          </p:cNvSpPr>
-          <p:nvPr>
-            <p:ph sz="quarter" idx="10"/>
-          </p:nvPr>
-        </p:nvSpPr>
-        <p:spPr/>
-        <p:txBody>
-          <a:bodyPr/>
-          <a:lstStyle/>
-          <a:p>
-            <a:r>
-              <a:rPr lang="en-US" dirty="0" smtClean="0"/>
-              <a:t>Mark all complex type properties as virtual</a:t>
-            </a:r>
-          </a:p>
-          <a:p>
-            <a:endParaRPr lang="en-US" dirty="0"/>
-          </a:p>
-          <a:p>
-            <a:r>
-              <a:rPr lang="en-US" dirty="0" smtClean="0"/>
-              <a:t>Can I disable lazy loading?</a:t>
-            </a:r>
-          </a:p>
-          <a:p>
-            <a:pPr lvl="1"/>
-            <a:r>
-              <a:rPr lang="en-US" dirty="0" smtClean="0"/>
-              <a:t>Short answer: yes</a:t>
-            </a:r>
-          </a:p>
-          <a:p>
-            <a:pPr lvl="1"/>
-            <a:r>
-              <a:rPr lang="en-US" dirty="0" smtClean="0"/>
-              <a:t>Longer answer: need to tell EF what to load and when to load it</a:t>
-            </a:r>
-          </a:p>
-          <a:p>
-            <a:pPr lvl="2"/>
-            <a:r>
-              <a:rPr lang="en-US" dirty="0" smtClean="0"/>
-              <a:t>Adam will talk about this later today</a:t>
-            </a:r>
-            <a:endParaRPr lang="en-US" dirty="0"/>
-          </a:p>
-        </p:txBody>
-      </p:sp>
-    </p:spTree>
-    <p:extLst>
-      <p:ext uri="{BB962C8B-B14F-4D97-AF65-F5344CB8AC3E}">
-        <p14:creationId xmlns:p14="http://schemas.microsoft.com/office/powerpoint/2010/main" val="2386000134"/>
-      </p:ext>
-    </p:extLst>
-  </p:cSld>
-  <p:clrMapOvr>
-    <a:masterClrMapping/>
-  </p:clrMapOvr>
-  <p:timing>
-    <p:tnLst>
-      <p:par>
-        <p:cTn id="1" dur="indefinite" restart="never" nodeType="tmRoot"/>
-      </p:par>
-    </p:tnLst>
-  </p:timing>
-</p:sld>
-</file>
-
-<file path=ppt/slides/slide11.xml><?xml version="1.0" encoding="utf-8"?>
-<p:sld xmlns:a="http://schemas.openxmlformats.org/drawingml/2006/main" xmlns:r="http://schemas.openxmlformats.org/officeDocument/2006/relationships" xmlns:p="http://schemas.openxmlformats.org/presentationml/2006/main">
-  <p:cSld>
-    <p:spTree>
-      <p:nvGrpSpPr>
-        <p:cNvPr id="1" name=""/>
-        <p:cNvGrpSpPr/>
-        <p:nvPr/>
-      </p:nvGrpSpPr>
-      <p:grpSpPr>
-        <a:xfrm>
-          <a:off x="0" y="0"/>
-          <a:ext cx="0" cy="0"/>
-          <a:chOff x="0" y="0"/>
-          <a:chExt cx="0" cy="0"/>
-        </a:xfrm>
-      </p:grpSpPr>
-      <p:sp>
-        <p:nvSpPr>
-          <p:cNvPr id="2" name="Title 1"/>
-          <p:cNvSpPr>
-            <a:spLocks noGrp="1"/>
-          </p:cNvSpPr>
-          <p:nvPr>
-            <p:ph type="title"/>
-          </p:nvPr>
-        </p:nvSpPr>
-        <p:spPr/>
-        <p:txBody>
-          <a:bodyPr/>
-          <a:lstStyle/>
-          <a:p>
-            <a:r>
-              <a:rPr lang="en-US" dirty="0" smtClean="0"/>
-              <a:t>Is that all I need to know?</a:t>
-            </a:r>
-            <a:endParaRPr lang="en-US" dirty="0"/>
-          </a:p>
-        </p:txBody>
-      </p:sp>
-      <p:sp>
-        <p:nvSpPr>
-          <p:cNvPr id="3" name="Content Placeholder 2"/>
-          <p:cNvSpPr>
-            <a:spLocks noGrp="1"/>
-          </p:cNvSpPr>
-          <p:nvPr>
-            <p:ph sz="quarter" idx="10"/>
-          </p:nvPr>
-        </p:nvSpPr>
-        <p:spPr/>
-        <p:txBody>
-          <a:bodyPr/>
-          <a:lstStyle/>
-          <a:p>
-            <a:r>
-              <a:rPr lang="en-US" dirty="0" smtClean="0"/>
-              <a:t>Well… Not really…</a:t>
-            </a:r>
-          </a:p>
-          <a:p>
-            <a:endParaRPr lang="en-US" dirty="0"/>
-          </a:p>
-          <a:p>
-            <a:r>
-              <a:rPr lang="en-US" dirty="0" smtClean="0"/>
-              <a:t>When loaded the child property is null</a:t>
-            </a:r>
-          </a:p>
-          <a:p>
-            <a:r>
-              <a:rPr lang="en-US" dirty="0" smtClean="0"/>
-              <a:t>If you save the object to the database, it will attempt to save the object with a null property</a:t>
-            </a:r>
-          </a:p>
-          <a:p>
-            <a:pPr lvl="1"/>
-            <a:r>
-              <a:rPr lang="en-US" dirty="0" smtClean="0"/>
-              <a:t>This will raise a referential integrity error</a:t>
-            </a:r>
-            <a:endParaRPr lang="en-US" dirty="0"/>
-          </a:p>
-        </p:txBody>
-      </p:sp>
-    </p:spTree>
-    <p:extLst>
-      <p:ext uri="{BB962C8B-B14F-4D97-AF65-F5344CB8AC3E}">
-        <p14:creationId xmlns:p14="http://schemas.microsoft.com/office/powerpoint/2010/main" val="2197543313"/>
-      </p:ext>
-    </p:extLst>
-  </p:cSld>
-  <p:clrMapOvr>
-    <a:masterClrMapping/>
-  </p:clrMapOvr>
-  <p:timing>
-    <p:tnLst>
-      <p:par>
-        <p:cTn id="1" dur="indefinite" restart="never" nodeType="tmRoot">
-          <p:childTnLst>
-            <p:seq concurrent="1" nextAc="seek">
-              <p:cTn id="2" dur="indefinite" nodeType="mainSeq">
-                <p:childTnLst>
-                  <p:par>
-                    <p:cTn id="3" fill="hold">
-                      <p:stCondLst>
-                        <p:cond delay="indefinite"/>
-                      </p:stCondLst>
-                      <p:childTnLst>
-                        <p:par>
-                          <p:cTn id="4" fill="hold">
-                            <p:stCondLst>
-                              <p:cond delay="0"/>
-                            </p:stCondLst>
-                            <p:childTnLst>
-                              <p:par>
-                                <p:cTn id="5" presetID="10" presetClass="entr" presetSubtype="0" fill="hold" nodeType="clickEffect">
-                                  <p:stCondLst>
-                                    <p:cond delay="0"/>
-                                  </p:stCondLst>
-                                  <p:childTnLst>
-                                    <p:set>
-                                      <p:cBhvr>
-                                        <p:cTn id="6" dur="1" fill="hold">
-                                          <p:stCondLst>
-                                            <p:cond delay="0"/>
-                                          </p:stCondLst>
-                                        </p:cTn>
-                                        <p:tgtEl>
-                                          <p:spTgt spid="3">
-                                            <p:txEl>
-                                              <p:pRg st="2" end="2"/>
-                                            </p:txEl>
-                                          </p:spTgt>
-                                        </p:tgtEl>
-                                        <p:attrNameLst>
-                                          <p:attrName>style.visibility</p:attrName>
-                                        </p:attrNameLst>
-                                      </p:cBhvr>
-                                      <p:to>
-                                        <p:strVal val="visible"/>
-                                      </p:to>
-                                    </p:set>
-                                    <p:animEffect transition="in" filter="fade">
-                                      <p:cBhvr>
-                                        <p:cTn id="7" dur="500"/>
-                                        <p:tgtEl>
-                                          <p:spTgt spid="3">
-                                            <p:txEl>
-                                              <p:pRg st="2" end="2"/>
-                                            </p:txEl>
-                                          </p:spTgt>
-                                        </p:tgtEl>
-                                      </p:cBhvr>
-                                    </p:animEffect>
-                                  </p:childTnLst>
-                                </p:cTn>
-                              </p:par>
-                              <p:par>
-                                <p:cTn id="8" presetID="10" presetClass="entr" presetSubtype="0" fill="hold" nodeType="withEffect">
-                                  <p:stCondLst>
-                                    <p:cond delay="0"/>
-                                  </p:stCondLst>
-                                  <p:childTnLst>
-                                    <p:set>
-                                      <p:cBhvr>
-                                        <p:cTn id="9" dur="1" fill="hold">
-                                          <p:stCondLst>
-                                            <p:cond delay="0"/>
-                                          </p:stCondLst>
-                                        </p:cTn>
-                                        <p:tgtEl>
-                                          <p:spTgt spid="3">
-                                            <p:txEl>
-                                              <p:pRg st="3" end="3"/>
-                                            </p:txEl>
-                                          </p:spTgt>
-                                        </p:tgtEl>
-                                        <p:attrNameLst>
-                                          <p:attrName>style.visibility</p:attrName>
-                                        </p:attrNameLst>
-                                      </p:cBhvr>
-                                      <p:to>
-                                        <p:strVal val="visible"/>
-                                      </p:to>
-                                    </p:set>
-                                    <p:animEffect transition="in" filter="fade">
-                                      <p:cBhvr>
-                                        <p:cTn id="10" dur="500"/>
-                                        <p:tgtEl>
-                                          <p:spTgt spid="3">
-                                            <p:txEl>
-                                              <p:pRg st="3" end="3"/>
-                                            </p:txEl>
-                                          </p:spTgt>
-                                        </p:tgtEl>
-                                      </p:cBhvr>
-                                    </p:animEffect>
-                                  </p:childTnLst>
-                                </p:cTn>
-                              </p:par>
-                              <p:par>
-                                <p:cTn id="11" presetID="10" presetClass="entr" presetSubtype="0" fill="hold" nodeType="withEffect">
-                                  <p:stCondLst>
-                                    <p:cond delay="0"/>
-                                  </p:stCondLst>
-                                  <p:childTnLst>
-                                    <p:set>
-                                      <p:cBhvr>
-                                        <p:cTn id="12" dur="1" fill="hold">
-                                          <p:stCondLst>
-                                            <p:cond delay="0"/>
-                                          </p:stCondLst>
-                                        </p:cTn>
-                                        <p:tgtEl>
-                                          <p:spTgt spid="3">
-                                            <p:txEl>
-                                              <p:pRg st="4" end="4"/>
-                                            </p:txEl>
-                                          </p:spTgt>
-                                        </p:tgtEl>
-                                        <p:attrNameLst>
-                                          <p:attrName>style.visibility</p:attrName>
-                                        </p:attrNameLst>
-                                      </p:cBhvr>
-                                      <p:to>
-                                        <p:strVal val="visible"/>
-                                      </p:to>
-                                    </p:set>
-                                    <p:animEffect transition="in" filter="fade">
-                                      <p:cBhvr>
-                                        <p:cTn id="13" dur="500"/>
-                                        <p:tgtEl>
-                                          <p:spTgt spid="3">
-                                            <p:txEl>
-                                              <p:pRg st="4" end="4"/>
-                                            </p:txEl>
-                                          </p:spTgt>
-                                        </p:tgtEl>
-                                      </p:cBhvr>
-                                    </p:animEffect>
-                                  </p:childTnLst>
-                                </p:cTn>
-                              </p:par>
-                            </p:childTnLst>
-                          </p:cTn>
-                        </p:par>
-                      </p:childTnLst>
-                    </p:cTn>
-                  </p:par>
-                </p:childTnLst>
-              </p:cTn>
-              <p:prevCondLst>
-                <p:cond evt="onPrev" delay="0">
-                  <p:tgtEl>
-                    <p:sldTgt/>
-                  </p:tgtEl>
-                </p:cond>
-              </p:prevCondLst>
-              <p:nextCondLst>
-                <p:cond evt="onNext" delay="0">
-                  <p:tgtEl>
-                    <p:sldTgt/>
-                  </p:tgtEl>
-                </p:cond>
-              </p:nextCondLst>
-            </p:seq>
-          </p:childTnLst>
-        </p:cTn>
-      </p:par>
-    </p:tnLst>
-  </p:timing>
-</p:sld>
-</file>
-
-<file path=ppt/slides/slide12.xml><?xml version="1.0" encoding="utf-8"?>
-<p:sld xmlns:a="http://schemas.openxmlformats.org/drawingml/2006/main" xmlns:r="http://schemas.openxmlformats.org/officeDocument/2006/relationships" xmlns:p="http://schemas.openxmlformats.org/presentationml/2006/main">
-  <p:cSld>
-    <p:spTree>
-      <p:nvGrpSpPr>
-        <p:cNvPr id="1" name=""/>
-        <p:cNvGrpSpPr/>
-        <p:nvPr/>
-      </p:nvGrpSpPr>
-      <p:grpSpPr>
-        <a:xfrm>
-          <a:off x="0" y="0"/>
-          <a:ext cx="0" cy="0"/>
-          <a:chOff x="0" y="0"/>
-          <a:chExt cx="0" cy="0"/>
-        </a:xfrm>
-      </p:grpSpPr>
-      <p:sp>
-        <p:nvSpPr>
-          <p:cNvPr id="2" name="Title 1"/>
-          <p:cNvSpPr>
-            <a:spLocks noGrp="1"/>
-          </p:cNvSpPr>
-          <p:nvPr>
-            <p:ph type="title"/>
-          </p:nvPr>
-        </p:nvSpPr>
-        <p:spPr/>
-        <p:txBody>
-          <a:bodyPr/>
-          <a:lstStyle/>
-          <a:p>
-            <a:r>
-              <a:rPr lang="en-US" dirty="0" smtClean="0"/>
-              <a:t>How do I solve that?</a:t>
-            </a:r>
-            <a:endParaRPr lang="en-US" dirty="0"/>
-          </a:p>
-        </p:txBody>
-      </p:sp>
-      <p:sp>
-        <p:nvSpPr>
-          <p:cNvPr id="3" name="Content Placeholder 2"/>
-          <p:cNvSpPr>
-            <a:spLocks noGrp="1"/>
-          </p:cNvSpPr>
-          <p:nvPr>
-            <p:ph sz="quarter" idx="10"/>
-          </p:nvPr>
-        </p:nvSpPr>
-        <p:spPr/>
-        <p:txBody>
-          <a:bodyPr/>
-          <a:lstStyle/>
-          <a:p>
-            <a:r>
-              <a:rPr lang="en-US" dirty="0" smtClean="0"/>
-              <a:t>Add a property for the key of the primary object</a:t>
-            </a:r>
-          </a:p>
-          <a:p>
-            <a:pPr lvl="1"/>
-            <a:r>
-              <a:rPr lang="en-US" dirty="0" err="1" smtClean="0"/>
-              <a:t>ArtistID</a:t>
-            </a:r>
-            <a:r>
-              <a:rPr lang="en-US" dirty="0" smtClean="0"/>
-              <a:t> for Artist</a:t>
-            </a:r>
-          </a:p>
-          <a:p>
-            <a:r>
-              <a:rPr lang="en-US" dirty="0" smtClean="0"/>
-              <a:t>Entity Framework will automatically pick this up based on convention</a:t>
-            </a:r>
-          </a:p>
-          <a:p>
-            <a:pPr lvl="1"/>
-            <a:r>
-              <a:rPr lang="en-US" dirty="0" smtClean="0"/>
-              <a:t>Use the </a:t>
-            </a:r>
-            <a:r>
-              <a:rPr lang="en-US" dirty="0" err="1" smtClean="0"/>
-              <a:t>ForeignKeyAttribute</a:t>
-            </a:r>
-            <a:r>
-              <a:rPr lang="en-US" dirty="0" smtClean="0"/>
-              <a:t> if you need to change the name</a:t>
-            </a:r>
-            <a:endParaRPr lang="en-US" dirty="0"/>
-          </a:p>
-        </p:txBody>
-      </p:sp>
-    </p:spTree>
-    <p:extLst>
-      <p:ext uri="{BB962C8B-B14F-4D97-AF65-F5344CB8AC3E}">
-        <p14:creationId xmlns:p14="http://schemas.microsoft.com/office/powerpoint/2010/main" val="2336346527"/>
-      </p:ext>
-    </p:extLst>
-  </p:cSld>
-  <p:clrMapOvr>
-    <a:masterClrMapping/>
-  </p:clrMapOvr>
-  <p:timing>
-    <p:tnLst>
-      <p:par>
-        <p:cTn id="1" dur="indefinite" restart="never" nodeType="tmRoot"/>
-      </p:par>
-    </p:tnLst>
-  </p:timing>
-</p:sld>
-</file>
-
-<file path=ppt/slides/slide13.xml><?xml version="1.0" encoding="utf-8"?>
-<p:sld xmlns:a="http://schemas.openxmlformats.org/drawingml/2006/main" xmlns:r="http://schemas.openxmlformats.org/officeDocument/2006/relationships" xmlns:p="http://schemas.openxmlformats.org/presentationml/2006/main">
-  <p:cSld>
-    <p:spTree>
-      <p:nvGrpSpPr>
-        <p:cNvPr id="1" name=""/>
-        <p:cNvGrpSpPr/>
-        <p:nvPr/>
-      </p:nvGrpSpPr>
-      <p:grpSpPr>
-        <a:xfrm>
-          <a:off x="0" y="0"/>
-          <a:ext cx="0" cy="0"/>
-          <a:chOff x="0" y="0"/>
-          <a:chExt cx="0" cy="0"/>
-        </a:xfrm>
-      </p:grpSpPr>
-      <p:sp>
-        <p:nvSpPr>
-          <p:cNvPr id="4" name="Title 3"/>
-          <p:cNvSpPr>
-            <a:spLocks noGrp="1"/>
-          </p:cNvSpPr>
-          <p:nvPr>
-            <p:ph type="title"/>
-          </p:nvPr>
-        </p:nvSpPr>
-        <p:spPr/>
-        <p:txBody>
-          <a:bodyPr/>
-          <a:lstStyle/>
-          <a:p>
-            <a:r>
-              <a:rPr lang="en-US" dirty="0" smtClean="0"/>
-              <a:t>One-to-many relationships, for real</a:t>
-            </a:r>
-            <a:endParaRPr lang="en-US" dirty="0"/>
-          </a:p>
-        </p:txBody>
-      </p:sp>
-    </p:spTree>
-    <p:extLst>
-      <p:ext uri="{BB962C8B-B14F-4D97-AF65-F5344CB8AC3E}">
-        <p14:creationId xmlns:p14="http://schemas.microsoft.com/office/powerpoint/2010/main" val="928919552"/>
-      </p:ext>
-    </p:extLst>
-  </p:cSld>
-  <p:clrMapOvr>
-    <a:masterClrMapping/>
-  </p:clrMapOvr>
-  <p:timing>
-    <p:tnLst>
-      <p:par>
-        <p:cTn id="1" dur="indefinite" restart="never" nodeType="tmRoot"/>
-      </p:par>
-    </p:tnLst>
-  </p:timing>
-</p:sld>
-</file>
-
-<file path=ppt/slides/slide14.xml><?xml version="1.0" encoding="utf-8"?>
-<p:sld xmlns:a="http://schemas.openxmlformats.org/drawingml/2006/main" xmlns:r="http://schemas.openxmlformats.org/officeDocument/2006/relationships" xmlns:p="http://schemas.openxmlformats.org/presentationml/2006/main">
-  <p:cSld>
-    <p:spTree>
-      <p:nvGrpSpPr>
-        <p:cNvPr id="1" name=""/>
-        <p:cNvGrpSpPr/>
-        <p:nvPr/>
-      </p:nvGrpSpPr>
-      <p:grpSpPr>
-        <a:xfrm>
-          <a:off x="0" y="0"/>
-          <a:ext cx="0" cy="0"/>
-          <a:chOff x="0" y="0"/>
-          <a:chExt cx="0" cy="0"/>
-        </a:xfrm>
-      </p:grpSpPr>
-      <p:sp>
-        <p:nvSpPr>
-          <p:cNvPr id="3" name="Title 2"/>
-          <p:cNvSpPr>
-            <a:spLocks noGrp="1"/>
-          </p:cNvSpPr>
-          <p:nvPr>
-            <p:ph type="title"/>
-          </p:nvPr>
-        </p:nvSpPr>
-        <p:spPr/>
-        <p:txBody>
-          <a:bodyPr/>
-          <a:lstStyle/>
-          <a:p>
-            <a:r>
-              <a:rPr lang="en-US" dirty="0" smtClean="0"/>
-              <a:t>Final one-to-many relationship note</a:t>
-            </a:r>
-            <a:endParaRPr lang="en-US" dirty="0"/>
-          </a:p>
-        </p:txBody>
-      </p:sp>
-      <p:sp>
-        <p:nvSpPr>
-          <p:cNvPr id="4" name="Content Placeholder 3"/>
-          <p:cNvSpPr>
-            <a:spLocks noGrp="1"/>
-          </p:cNvSpPr>
-          <p:nvPr>
-            <p:ph sz="quarter" idx="10"/>
-          </p:nvPr>
-        </p:nvSpPr>
-        <p:spPr/>
-        <p:txBody>
-          <a:bodyPr/>
-          <a:lstStyle/>
-          <a:p>
-            <a:r>
-              <a:rPr lang="en-US" dirty="0" smtClean="0"/>
-              <a:t>Cascade delete is set to true</a:t>
-            </a:r>
-          </a:p>
-          <a:p>
-            <a:pPr lvl="1"/>
-            <a:r>
-              <a:rPr lang="en-US" dirty="0" smtClean="0"/>
-              <a:t>Deleting an Artist deletes their albums</a:t>
-            </a:r>
-          </a:p>
-          <a:p>
-            <a:pPr lvl="1"/>
-            <a:r>
-              <a:rPr lang="en-US" dirty="0" smtClean="0"/>
-              <a:t>Can be changed with the Fluent API</a:t>
-            </a:r>
-            <a:endParaRPr lang="en-US" dirty="0"/>
-          </a:p>
-        </p:txBody>
-      </p:sp>
-    </p:spTree>
-    <p:extLst>
-      <p:ext uri="{BB962C8B-B14F-4D97-AF65-F5344CB8AC3E}">
-        <p14:creationId xmlns:p14="http://schemas.microsoft.com/office/powerpoint/2010/main" val="2276870320"/>
-      </p:ext>
-    </p:extLst>
-  </p:cSld>
-  <p:clrMapOvr>
-    <a:masterClrMapping/>
-  </p:clrMapOvr>
-  <p:timing>
-    <p:tnLst>
-      <p:par>
-        <p:cTn id="1" dur="indefinite" restart="never" nodeType="tmRoot"/>
-      </p:par>
-    </p:tnLst>
-  </p:timing>
-</p:sld>
-</file>
-
-<file path=ppt/slides/slide15.xml><?xml version="1.0" encoding="utf-8"?>
-<p:sld xmlns:a="http://schemas.openxmlformats.org/drawingml/2006/main" xmlns:r="http://schemas.openxmlformats.org/officeDocument/2006/relationships" xmlns:p="http://schemas.openxmlformats.org/presentationml/2006/main">
-  <p:cSld>
-    <p:spTree>
-      <p:nvGrpSpPr>
-        <p:cNvPr id="1" name=""/>
-        <p:cNvGrpSpPr/>
-        <p:nvPr/>
-      </p:nvGrpSpPr>
-      <p:grpSpPr>
-        <a:xfrm>
-          <a:off x="0" y="0"/>
-          <a:ext cx="0" cy="0"/>
-          <a:chOff x="0" y="0"/>
-          <a:chExt cx="0" cy="0"/>
-        </a:xfrm>
-      </p:grpSpPr>
-      <p:sp>
-        <p:nvSpPr>
-          <p:cNvPr id="6" name="Text Placeholder 5"/>
-          <p:cNvSpPr>
-            <a:spLocks noGrp="1"/>
-          </p:cNvSpPr>
-          <p:nvPr>
-            <p:ph type="body" sz="quarter" idx="10"/>
-          </p:nvPr>
-        </p:nvSpPr>
-        <p:spPr/>
-        <p:txBody>
-          <a:bodyPr/>
-          <a:lstStyle/>
-          <a:p>
-            <a:r>
-              <a:rPr lang="en-US" dirty="0" smtClean="0"/>
-              <a:t>One to one relationships</a:t>
-            </a:r>
-            <a:endParaRPr lang="en-US" dirty="0"/>
-          </a:p>
-        </p:txBody>
-      </p:sp>
-      <p:sp>
-        <p:nvSpPr>
-          <p:cNvPr id="5" name="Subtitle 4"/>
-          <p:cNvSpPr>
-            <a:spLocks noGrp="1"/>
-          </p:cNvSpPr>
-          <p:nvPr>
-            <p:ph type="subTitle" idx="1"/>
-          </p:nvPr>
-        </p:nvSpPr>
-        <p:spPr/>
-        <p:txBody>
-          <a:bodyPr/>
-          <a:lstStyle/>
-          <a:p>
-            <a:endParaRPr lang="en-US" dirty="0"/>
-          </a:p>
-        </p:txBody>
-      </p:sp>
-    </p:spTree>
-    <p:extLst>
-      <p:ext uri="{BB962C8B-B14F-4D97-AF65-F5344CB8AC3E}">
-        <p14:creationId xmlns:p14="http://schemas.microsoft.com/office/powerpoint/2010/main" val="63205358"/>
-      </p:ext>
-    </p:extLst>
-  </p:cSld>
-  <p:clrMapOvr>
-    <a:masterClrMapping/>
-  </p:clrMapOvr>
-  <p:timing>
-    <p:tnLst>
-      <p:par>
-        <p:cTn id="1" dur="indefinite" restart="never" nodeType="tmRoot"/>
-      </p:par>
-    </p:tnLst>
-  </p:timing>
-</p:sld>
-</file>
-
-<file path=ppt/slides/slide16.xml><?xml version="1.0" encoding="utf-8"?>
-<p:sld xmlns:a="http://schemas.openxmlformats.org/drawingml/2006/main" xmlns:r="http://schemas.openxmlformats.org/officeDocument/2006/relationships" xmlns:p="http://schemas.openxmlformats.org/presentationml/2006/main">
-  <p:cSld>
-    <p:spTree>
-      <p:nvGrpSpPr>
-        <p:cNvPr id="1" name=""/>
-        <p:cNvGrpSpPr/>
-        <p:nvPr/>
-      </p:nvGrpSpPr>
-      <p:grpSpPr>
-        <a:xfrm>
-          <a:off x="0" y="0"/>
-          <a:ext cx="0" cy="0"/>
-          <a:chOff x="0" y="0"/>
-          <a:chExt cx="0" cy="0"/>
-        </a:xfrm>
-      </p:grpSpPr>
-      <p:sp>
-        <p:nvSpPr>
-          <p:cNvPr id="4" name="Title 3"/>
-          <p:cNvSpPr>
-            <a:spLocks noGrp="1"/>
-          </p:cNvSpPr>
-          <p:nvPr>
-            <p:ph type="title"/>
-          </p:nvPr>
-        </p:nvSpPr>
-        <p:spPr/>
-        <p:txBody>
-          <a:bodyPr/>
-          <a:lstStyle/>
-          <a:p>
-            <a:r>
-              <a:rPr lang="en-US" dirty="0" smtClean="0"/>
-              <a:t>One-to-one relationships aren't common</a:t>
-            </a:r>
-            <a:endParaRPr lang="en-US" dirty="0"/>
-          </a:p>
-        </p:txBody>
-      </p:sp>
-      <p:sp>
-        <p:nvSpPr>
-          <p:cNvPr id="5" name="Content Placeholder 4"/>
-          <p:cNvSpPr>
-            <a:spLocks noGrp="1"/>
-          </p:cNvSpPr>
-          <p:nvPr>
-            <p:ph sz="quarter" idx="10"/>
-          </p:nvPr>
-        </p:nvSpPr>
-        <p:spPr/>
-        <p:txBody>
-          <a:bodyPr/>
-          <a:lstStyle/>
-          <a:p>
-            <a:r>
-              <a:rPr lang="en-US" dirty="0" smtClean="0"/>
-              <a:t>…and Entity Framework knows it</a:t>
-            </a:r>
-          </a:p>
-          <a:p>
-            <a:r>
-              <a:rPr lang="en-US" dirty="0" smtClean="0"/>
-              <a:t>As a result, it's not expecting it</a:t>
-            </a:r>
-          </a:p>
-          <a:p>
-            <a:pPr lvl="1"/>
-            <a:r>
-              <a:rPr lang="en-US" dirty="0" smtClean="0"/>
-              <a:t>The default is one-to-many</a:t>
-            </a:r>
-          </a:p>
-          <a:p>
-            <a:pPr lvl="1"/>
-            <a:r>
-              <a:rPr lang="en-US" dirty="0" smtClean="0"/>
-              <a:t>When two classes point to one another, EF can't determine which is the parent and which is the child</a:t>
-            </a:r>
-          </a:p>
-          <a:p>
-            <a:r>
-              <a:rPr lang="en-US" dirty="0" smtClean="0"/>
-              <a:t>One-to-one relationships must be explicitly created</a:t>
-            </a:r>
-          </a:p>
-          <a:p>
-            <a:pPr lvl="1"/>
-            <a:r>
-              <a:rPr lang="en-US" dirty="0" smtClean="0"/>
-              <a:t>Add </a:t>
-            </a:r>
-            <a:r>
-              <a:rPr lang="en-US" dirty="0" err="1" smtClean="0"/>
-              <a:t>ForeignKey</a:t>
-            </a:r>
-            <a:r>
-              <a:rPr lang="en-US" dirty="0" smtClean="0"/>
-              <a:t> to the child class</a:t>
-            </a:r>
-            <a:endParaRPr lang="en-US" dirty="0"/>
-          </a:p>
-        </p:txBody>
-      </p:sp>
-    </p:spTree>
-    <p:extLst>
-      <p:ext uri="{BB962C8B-B14F-4D97-AF65-F5344CB8AC3E}">
-        <p14:creationId xmlns:p14="http://schemas.microsoft.com/office/powerpoint/2010/main" val="1854423188"/>
-      </p:ext>
-    </p:extLst>
-  </p:cSld>
-  <p:clrMapOvr>
-    <a:masterClrMapping/>
-  </p:clrMapOvr>
-  <p:timing>
-    <p:tnLst>
-      <p:par>
-        <p:cTn id="1" dur="indefinite" restart="never" nodeType="tmRoot"/>
-      </p:par>
-    </p:tnLst>
-  </p:timing>
-</p:sld>
-</file>
-
-<file path=ppt/slides/slide17.xml><?xml version="1.0" encoding="utf-8"?>
-<p:sld xmlns:a="http://schemas.openxmlformats.org/drawingml/2006/main" xmlns:r="http://schemas.openxmlformats.org/officeDocument/2006/relationships" xmlns:p="http://schemas.openxmlformats.org/presentationml/2006/main">
-  <p:cSld>
-    <p:spTree>
-      <p:nvGrpSpPr>
-        <p:cNvPr id="1" name=""/>
-        <p:cNvGrpSpPr/>
-        <p:nvPr/>
-      </p:nvGrpSpPr>
-      <p:grpSpPr>
-        <a:xfrm>
-          <a:off x="0" y="0"/>
-          <a:ext cx="0" cy="0"/>
-          <a:chOff x="0" y="0"/>
-          <a:chExt cx="0" cy="0"/>
-        </a:xfrm>
-      </p:grpSpPr>
-      <p:sp>
-        <p:nvSpPr>
-          <p:cNvPr id="4" name="Title 3"/>
-          <p:cNvSpPr>
-            <a:spLocks noGrp="1"/>
-          </p:cNvSpPr>
-          <p:nvPr>
-            <p:ph type="title"/>
-          </p:nvPr>
-        </p:nvSpPr>
-        <p:spPr/>
-        <p:txBody>
-          <a:bodyPr/>
-          <a:lstStyle/>
-          <a:p>
-            <a:r>
-              <a:rPr lang="en-US" dirty="0" smtClean="0"/>
-              <a:t>One-to-one relationships</a:t>
-            </a:r>
-            <a:endParaRPr lang="en-US" dirty="0"/>
-          </a:p>
-        </p:txBody>
-      </p:sp>
-    </p:spTree>
-    <p:extLst>
-      <p:ext uri="{BB962C8B-B14F-4D97-AF65-F5344CB8AC3E}">
-        <p14:creationId xmlns:p14="http://schemas.microsoft.com/office/powerpoint/2010/main" val="3792245662"/>
-      </p:ext>
-    </p:extLst>
-  </p:cSld>
-  <p:clrMapOvr>
-    <a:masterClrMapping/>
-  </p:clrMapOvr>
-  <p:timing>
-    <p:tnLst>
-      <p:par>
-        <p:cTn id="1" dur="indefinite" restart="never" nodeType="tmRoot"/>
-      </p:par>
-    </p:tnLst>
-  </p:timing>
-</p:sld>
-</file>
-
-<file path=ppt/slides/slide18.xml><?xml version="1.0" encoding="utf-8"?>
-<p:sld xmlns:a="http://schemas.openxmlformats.org/drawingml/2006/main" xmlns:r="http://schemas.openxmlformats.org/officeDocument/2006/relationships" xmlns:p="http://schemas.openxmlformats.org/presentationml/2006/main">
-  <p:cSld>
-    <p:spTree>
-      <p:nvGrpSpPr>
-        <p:cNvPr id="1" name=""/>
-        <p:cNvGrpSpPr/>
-        <p:nvPr/>
-      </p:nvGrpSpPr>
-      <p:grpSpPr>
-        <a:xfrm>
-          <a:off x="0" y="0"/>
-          <a:ext cx="0" cy="0"/>
-          <a:chOff x="0" y="0"/>
-          <a:chExt cx="0" cy="0"/>
-        </a:xfrm>
-      </p:grpSpPr>
-      <p:sp>
-        <p:nvSpPr>
-          <p:cNvPr id="5" name="Text Placeholder 4"/>
-          <p:cNvSpPr>
-            <a:spLocks noGrp="1"/>
-          </p:cNvSpPr>
-          <p:nvPr>
-            <p:ph type="body" sz="quarter" idx="10"/>
-          </p:nvPr>
-        </p:nvSpPr>
-        <p:spPr/>
-        <p:txBody>
-          <a:bodyPr/>
-          <a:lstStyle/>
-          <a:p>
-            <a:r>
-              <a:rPr lang="en-US" dirty="0" smtClean="0"/>
-              <a:t>Many-to-many relationships</a:t>
-            </a:r>
-            <a:endParaRPr lang="en-US" dirty="0"/>
-          </a:p>
-        </p:txBody>
-      </p:sp>
-      <p:sp>
-        <p:nvSpPr>
-          <p:cNvPr id="4" name="Subtitle 3"/>
-          <p:cNvSpPr>
-            <a:spLocks noGrp="1"/>
-          </p:cNvSpPr>
-          <p:nvPr>
-            <p:ph type="subTitle" idx="1"/>
-          </p:nvPr>
-        </p:nvSpPr>
-        <p:spPr/>
-        <p:txBody>
-          <a:bodyPr/>
-          <a:lstStyle/>
-          <a:p>
-            <a:endParaRPr lang="en-US" dirty="0"/>
-          </a:p>
-        </p:txBody>
-      </p:sp>
-    </p:spTree>
-    <p:extLst>
-      <p:ext uri="{BB962C8B-B14F-4D97-AF65-F5344CB8AC3E}">
-        <p14:creationId xmlns:p14="http://schemas.microsoft.com/office/powerpoint/2010/main" val="2990691322"/>
-      </p:ext>
-    </p:extLst>
-  </p:cSld>
-  <p:clrMapOvr>
-    <a:masterClrMapping/>
-  </p:clrMapOvr>
-  <p:timing>
-    <p:tnLst>
-      <p:par>
-        <p:cTn id="1" dur="indefinite" restart="never" nodeType="tmRoot"/>
-      </p:par>
-    </p:tnLst>
-  </p:timing>
-</p:sld>
-</file>
-
-<file path=ppt/slides/slide19.xml><?xml version="1.0" encoding="utf-8"?>
-<p:sld xmlns:a="http://schemas.openxmlformats.org/drawingml/2006/main" xmlns:r="http://schemas.openxmlformats.org/officeDocument/2006/relationships" xmlns:p="http://schemas.openxmlformats.org/presentationml/2006/main">
-  <p:cSld>
-    <p:spTree>
-      <p:nvGrpSpPr>
-        <p:cNvPr id="1" name=""/>
-        <p:cNvGrpSpPr/>
-        <p:nvPr/>
-      </p:nvGrpSpPr>
-      <p:grpSpPr>
-        <a:xfrm>
-          <a:off x="0" y="0"/>
-          <a:ext cx="0" cy="0"/>
-          <a:chOff x="0" y="0"/>
-          <a:chExt cx="0" cy="0"/>
-        </a:xfrm>
-      </p:grpSpPr>
-      <p:sp>
-        <p:nvSpPr>
-          <p:cNvPr id="2" name="Title 1"/>
-          <p:cNvSpPr>
-            <a:spLocks noGrp="1"/>
-          </p:cNvSpPr>
-          <p:nvPr>
-            <p:ph type="title"/>
-          </p:nvPr>
-        </p:nvSpPr>
-        <p:spPr/>
-        <p:txBody>
-          <a:bodyPr/>
-          <a:lstStyle/>
-          <a:p>
-            <a:r>
-              <a:rPr lang="en-US" dirty="0" smtClean="0"/>
-              <a:t>Many-to-many relationship concepts</a:t>
-            </a:r>
-            <a:endParaRPr lang="en-US" dirty="0"/>
-          </a:p>
-        </p:txBody>
-      </p:sp>
-      <p:sp>
-        <p:nvSpPr>
-          <p:cNvPr id="3" name="Content Placeholder 2"/>
-          <p:cNvSpPr>
-            <a:spLocks noGrp="1"/>
-          </p:cNvSpPr>
-          <p:nvPr>
-            <p:ph sz="quarter" idx="10"/>
-          </p:nvPr>
-        </p:nvSpPr>
-        <p:spPr/>
-        <p:txBody>
-          <a:bodyPr/>
-          <a:lstStyle/>
-          <a:p>
-            <a:r>
-              <a:rPr lang="en-US" dirty="0" smtClean="0"/>
-              <a:t>Relational databases typically don't support many-to-many relationships natively</a:t>
-            </a:r>
-          </a:p>
-          <a:p>
-            <a:pPr lvl="1"/>
-            <a:r>
-              <a:rPr lang="en-US" dirty="0" smtClean="0"/>
-              <a:t>Requires a "join table"</a:t>
-            </a:r>
-            <a:r>
-              <a:rPr lang="en-US" dirty="0"/>
-              <a:t> </a:t>
-            </a:r>
-            <a:r>
-              <a:rPr lang="en-US" dirty="0" smtClean="0"/>
-              <a:t>be created</a:t>
-            </a:r>
-          </a:p>
-          <a:p>
-            <a:r>
-              <a:rPr lang="en-US" dirty="0" smtClean="0"/>
-              <a:t>Fortunately, EF knows this</a:t>
-            </a:r>
-          </a:p>
-          <a:p>
-            <a:pPr lvl="1"/>
-            <a:r>
-              <a:rPr lang="en-US" dirty="0" smtClean="0"/>
-              <a:t>Just add the properties to both sides</a:t>
-            </a:r>
-          </a:p>
-          <a:p>
-            <a:pPr lvl="1"/>
-            <a:r>
-              <a:rPr lang="en-US" dirty="0" smtClean="0"/>
-              <a:t>EF will create the join table</a:t>
-            </a:r>
-          </a:p>
-          <a:p>
-            <a:pPr lvl="1"/>
-            <a:endParaRPr lang="en-US" dirty="0" smtClean="0"/>
-          </a:p>
-        </p:txBody>
-      </p:sp>
-    </p:spTree>
-    <p:extLst>
-      <p:ext uri="{BB962C8B-B14F-4D97-AF65-F5344CB8AC3E}">
-        <p14:creationId xmlns:p14="http://schemas.microsoft.com/office/powerpoint/2010/main" val="922534263"/>
-      </p:ext>
-    </p:extLst>
-  </p:cSld>
-  <p:clrMapOvr>
-    <a:masterClrMapping/>
-  </p:clrMapOvr>
-  <p:timing>
-    <p:tnLst>
-      <p:par>
-        <p:cTn id="1" dur="indefinite" restart="never" nodeType="tmRoot"/>
-      </p:par>
-    </p:tnLst>
-  </p:timing>
-</p:sld>
-</file>
-
-<file path=ppt/slides/slide2.xml><?xml version="1.0" encoding="utf-8"?>
-<p:sld xmlns:a="http://schemas.openxmlformats.org/drawingml/2006/main" xmlns:r="http://schemas.openxmlformats.org/officeDocument/2006/relationships" xmlns:p="http://schemas.openxmlformats.org/presentationml/2006/main">
-  <p:cSld>
-    <p:spTree>
-      <p:nvGrpSpPr>
-        <p:cNvPr id="1" name=""/>
-        <p:cNvGrpSpPr/>
-        <p:nvPr/>
-      </p:nvGrpSpPr>
-      <p:grpSpPr>
-        <a:xfrm>
-          <a:off x="0" y="0"/>
-          <a:ext cx="0" cy="0"/>
-          <a:chOff x="0" y="0"/>
-          <a:chExt cx="0" cy="0"/>
-        </a:xfrm>
-      </p:grpSpPr>
-      <p:sp>
-        <p:nvSpPr>
-          <p:cNvPr id="2" name="Text Placeholder 1"/>
-          <p:cNvSpPr>
-            <a:spLocks noGrp="1"/>
-          </p:cNvSpPr>
-          <p:nvPr>
-            <p:ph type="body" sz="quarter" idx="10"/>
-          </p:nvPr>
-        </p:nvSpPr>
-        <p:spPr/>
-        <p:txBody>
-          <a:bodyPr/>
-          <a:lstStyle/>
-          <a:p>
-            <a:r>
-              <a:rPr lang="en-US" dirty="0" smtClean="0"/>
-              <a:t>One to Many Relationships</a:t>
-            </a:r>
-            <a:endParaRPr lang="en-US" dirty="0"/>
-          </a:p>
-        </p:txBody>
-      </p:sp>
-      <p:sp>
-        <p:nvSpPr>
-          <p:cNvPr id="3" name="Subtitle 2"/>
-          <p:cNvSpPr>
-            <a:spLocks noGrp="1"/>
-          </p:cNvSpPr>
-          <p:nvPr>
-            <p:ph type="subTitle" idx="1"/>
-          </p:nvPr>
-        </p:nvSpPr>
-        <p:spPr/>
-        <p:txBody>
-          <a:bodyPr/>
-          <a:lstStyle/>
-          <a:p>
-            <a:endParaRPr lang="en-US"/>
-          </a:p>
-        </p:txBody>
-      </p:sp>
-    </p:spTree>
-    <p:extLst>
-      <p:ext uri="{BB962C8B-B14F-4D97-AF65-F5344CB8AC3E}">
-        <p14:creationId xmlns:p14="http://schemas.microsoft.com/office/powerpoint/2010/main" val="3256101856"/>
-      </p:ext>
-    </p:extLst>
-  </p:cSld>
-  <p:clrMapOvr>
-    <a:masterClrMapping/>
-  </p:clrMapOvr>
-  <p:timing>
-    <p:tnLst>
-      <p:par>
-        <p:cTn id="1" dur="indefinite" restart="never" nodeType="tmRoot"/>
-      </p:par>
-    </p:tnLst>
-  </p:timing>
-</p:sld>
-</file>
-
-<file path=ppt/slides/slide20.xml><?xml version="1.0" encoding="utf-8"?>
-<p:sld xmlns:a="http://schemas.openxmlformats.org/drawingml/2006/main" xmlns:r="http://schemas.openxmlformats.org/officeDocument/2006/relationships" xmlns:p="http://schemas.openxmlformats.org/presentationml/2006/main">
-  <p:cSld>
-    <p:spTree>
-      <p:nvGrpSpPr>
-        <p:cNvPr id="1" name=""/>
-        <p:cNvGrpSpPr/>
-        <p:nvPr/>
-      </p:nvGrpSpPr>
-      <p:grpSpPr>
-        <a:xfrm>
-          <a:off x="0" y="0"/>
-          <a:ext cx="0" cy="0"/>
-          <a:chOff x="0" y="0"/>
-          <a:chExt cx="0" cy="0"/>
-        </a:xfrm>
-      </p:grpSpPr>
-      <p:sp>
-        <p:nvSpPr>
-          <p:cNvPr id="4" name="Title 3"/>
-          <p:cNvSpPr>
-            <a:spLocks noGrp="1"/>
-          </p:cNvSpPr>
-          <p:nvPr>
-            <p:ph type="title"/>
-          </p:nvPr>
-        </p:nvSpPr>
-        <p:spPr/>
-        <p:txBody>
-          <a:bodyPr/>
-          <a:lstStyle/>
-          <a:p>
-            <a:r>
-              <a:rPr lang="en-US" dirty="0" smtClean="0"/>
-              <a:t>Many-to-many relationships</a:t>
-            </a:r>
-            <a:endParaRPr lang="en-US" dirty="0"/>
-          </a:p>
-        </p:txBody>
-      </p:sp>
-    </p:spTree>
-    <p:extLst>
-      <p:ext uri="{BB962C8B-B14F-4D97-AF65-F5344CB8AC3E}">
-        <p14:creationId xmlns:p14="http://schemas.microsoft.com/office/powerpoint/2010/main" val="4030443916"/>
-      </p:ext>
-    </p:extLst>
-  </p:cSld>
-  <p:clrMapOvr>
-    <a:masterClrMapping/>
-  </p:clrMapOvr>
-  <p:timing>
-    <p:tnLst>
-      <p:par>
-        <p:cTn id="1" dur="indefinite" restart="never" nodeType="tmRoot"/>
-      </p:par>
-    </p:tnLst>
-  </p:timing>
-</p:sld>
-</file>
-
-<file path=ppt/slides/slide21.xml><?xml version="1.0" encoding="utf-8"?>
-<p:sld xmlns:a="http://schemas.openxmlformats.org/drawingml/2006/main" xmlns:r="http://schemas.openxmlformats.org/officeDocument/2006/relationships" xmlns:p="http://schemas.openxmlformats.org/presentationml/2006/main">
-  <p:cSld>
-    <p:spTree>
-      <p:nvGrpSpPr>
-        <p:cNvPr id="1" name=""/>
-        <p:cNvGrpSpPr/>
-        <p:nvPr/>
-      </p:nvGrpSpPr>
-      <p:grpSpPr>
-        <a:xfrm>
-          <a:off x="0" y="0"/>
-          <a:ext cx="0" cy="0"/>
-          <a:chOff x="0" y="0"/>
-          <a:chExt cx="0" cy="0"/>
-        </a:xfrm>
-      </p:grpSpPr>
-    </p:spTree>
-    <p:extLst>
-      <p:ext uri="{BB962C8B-B14F-4D97-AF65-F5344CB8AC3E}">
-        <p14:creationId xmlns:p14="http://schemas.microsoft.com/office/powerpoint/2010/main" val="13701683"/>
-      </p:ext>
-    </p:extLst>
-  </p:cSld>
-  <p:clrMapOvr>
-    <a:masterClrMapping/>
-  </p:clrMapOvr>
-  <mc:AlternateContent xmlns:mc="http://schemas.openxmlformats.org/markup-compatibility/2006" xmlns:p14="http://schemas.microsoft.com/office/powerpoint/2010/main">
-    <mc:Choice Requires="p14">
-      <p:transition spd="slow" p14:dur="2000"/>
-    </mc:Choice>
-    <mc:Fallback xmlns="">
-      <p:transition spd="slow"/>
-    </mc:Fallback>
-  </mc:AlternateContent>
-  <p:timing>
-    <p:tnLst>
-      <p:par>
-        <p:cTn id="1" dur="indefinite" restart="never" nodeType="tmRoot"/>
-      </p:par>
-    </p:tnLst>
-  </p:timing>
-</p:sld>
-</file>
-
-<file path=ppt/slides/slide3.xml><?xml version="1.0" encoding="utf-8"?>
-<p:sld xmlns:a="http://schemas.openxmlformats.org/drawingml/2006/main" xmlns:r="http://schemas.openxmlformats.org/officeDocument/2006/relationships" xmlns:p="http://schemas.openxmlformats.org/presentationml/2006/main">
-  <p:cSld>
-    <p:spTree>
-      <p:nvGrpSpPr>
-        <p:cNvPr id="1" name=""/>
-        <p:cNvGrpSpPr/>
-        <p:nvPr/>
-      </p:nvGrpSpPr>
-      <p:grpSpPr>
-        <a:xfrm>
-          <a:off x="0" y="0"/>
-          <a:ext cx="0" cy="0"/>
-          <a:chOff x="0" y="0"/>
-          <a:chExt cx="0" cy="0"/>
-        </a:xfrm>
-      </p:grpSpPr>
-      <p:sp>
-        <p:nvSpPr>
-          <p:cNvPr id="4" name="Title 3"/>
-          <p:cNvSpPr>
-            <a:spLocks noGrp="1"/>
-          </p:cNvSpPr>
-          <p:nvPr>
-            <p:ph type="title"/>
-          </p:nvPr>
-        </p:nvSpPr>
-        <p:spPr/>
-        <p:txBody>
-          <a:bodyPr/>
-          <a:lstStyle/>
-          <a:p>
-            <a:r>
-              <a:rPr lang="en-US" dirty="0" smtClean="0"/>
-              <a:t>What have we seen so far?</a:t>
-            </a:r>
-            <a:endParaRPr lang="en-US" dirty="0"/>
-          </a:p>
-        </p:txBody>
-      </p:sp>
-      <p:sp>
-        <p:nvSpPr>
-          <p:cNvPr id="5" name="Content Placeholder 4"/>
-          <p:cNvSpPr>
-            <a:spLocks noGrp="1"/>
-          </p:cNvSpPr>
-          <p:nvPr>
-            <p:ph sz="quarter" idx="10"/>
-          </p:nvPr>
-        </p:nvSpPr>
-        <p:spPr/>
-        <p:txBody>
-          <a:bodyPr/>
-          <a:lstStyle/>
-          <a:p>
-            <a:r>
-              <a:rPr lang="en-US" dirty="0" smtClean="0"/>
-              <a:t>"It just works" –Jon Galloway</a:t>
-            </a:r>
-          </a:p>
-          <a:p>
-            <a:r>
-              <a:rPr lang="en-US" dirty="0" smtClean="0"/>
-              <a:t>Basic steps</a:t>
-            </a:r>
-          </a:p>
-          <a:p>
-            <a:pPr lvl="1"/>
-            <a:r>
-              <a:rPr lang="en-US" dirty="0" smtClean="0"/>
-              <a:t>Create a class</a:t>
-            </a:r>
-          </a:p>
-          <a:p>
-            <a:pPr lvl="1"/>
-            <a:r>
-              <a:rPr lang="en-US" dirty="0" smtClean="0"/>
-              <a:t>Add properties</a:t>
-            </a:r>
-          </a:p>
-          <a:p>
-            <a:pPr lvl="1"/>
-            <a:r>
-              <a:rPr lang="en-US" dirty="0" smtClean="0"/>
-              <a:t>Decorate with attributes as needed</a:t>
-            </a:r>
-            <a:endParaRPr lang="en-US" dirty="0"/>
-          </a:p>
-        </p:txBody>
-      </p:sp>
-    </p:spTree>
-    <p:extLst>
-      <p:ext uri="{BB962C8B-B14F-4D97-AF65-F5344CB8AC3E}">
-        <p14:creationId xmlns:p14="http://schemas.microsoft.com/office/powerpoint/2010/main" val="2480184239"/>
-      </p:ext>
-    </p:extLst>
-  </p:cSld>
-  <p:clrMapOvr>
-    <a:masterClrMapping/>
-  </p:clrMapOvr>
-  <p:timing>
-    <p:tnLst>
-      <p:par>
-        <p:cTn id="1" dur="indefinite" restart="never" nodeType="tmRoot"/>
-      </p:par>
-    </p:tnLst>
-  </p:timing>
-</p:sld>
-</file>
-
-<file path=ppt/slides/slide4.xml><?xml version="1.0" encoding="utf-8"?>
-<p:sld xmlns:a="http://schemas.openxmlformats.org/drawingml/2006/main" xmlns:r="http://schemas.openxmlformats.org/officeDocument/2006/relationships" xmlns:p="http://schemas.openxmlformats.org/presentationml/2006/main">
-  <p:cSld>
-    <p:spTree>
-      <p:nvGrpSpPr>
-        <p:cNvPr id="1" name=""/>
-        <p:cNvGrpSpPr/>
-        <p:nvPr/>
-      </p:nvGrpSpPr>
-      <p:grpSpPr>
-        <a:xfrm>
-          <a:off x="0" y="0"/>
-          <a:ext cx="0" cy="0"/>
-          <a:chOff x="0" y="0"/>
-          <a:chExt cx="0" cy="0"/>
-        </a:xfrm>
-      </p:grpSpPr>
-      <p:sp>
-        <p:nvSpPr>
-          <p:cNvPr id="2" name="Title 1"/>
-          <p:cNvSpPr>
-            <a:spLocks noGrp="1"/>
-          </p:cNvSpPr>
-          <p:nvPr>
-            <p:ph type="title"/>
-          </p:nvPr>
-        </p:nvSpPr>
-        <p:spPr/>
-        <p:txBody>
-          <a:bodyPr/>
-          <a:lstStyle/>
-          <a:p>
-            <a:r>
-              <a:rPr lang="en-US" dirty="0" smtClean="0"/>
-              <a:t>Class design</a:t>
-            </a:r>
-            <a:endParaRPr lang="en-US" dirty="0"/>
-          </a:p>
-        </p:txBody>
-      </p:sp>
-      <p:sp>
-        <p:nvSpPr>
-          <p:cNvPr id="4" name="Rectangle 3"/>
-          <p:cNvSpPr/>
-          <p:nvPr/>
-        </p:nvSpPr>
-        <p:spPr>
-          <a:xfrm>
-            <a:off x="1922107" y="3331028"/>
-            <a:ext cx="2612571" cy="1754156"/>
-          </a:xfrm>
-          <a:prstGeom prst="rect">
-            <a:avLst/>
-          </a:prstGeom>
-        </p:spPr>
-        <p:style>
-          <a:lnRef idx="1">
-            <a:schemeClr val="accent1"/>
-          </a:lnRef>
-          <a:fillRef idx="2">
-            <a:schemeClr val="accent1"/>
-          </a:fillRef>
-          <a:effectRef idx="1">
-            <a:schemeClr val="accent1"/>
-          </a:effectRef>
-          <a:fontRef idx="minor">
-            <a:schemeClr val="dk1"/>
-          </a:fontRef>
-        </p:style>
-        <p:txBody>
-          <a:bodyPr rtlCol="0" anchor="ctr"/>
-          <a:lstStyle/>
-          <a:p>
-            <a:pPr algn="ctr"/>
-            <a:r>
-              <a:rPr lang="en-US" sz="2400" b="1" dirty="0" smtClean="0"/>
-              <a:t>Album</a:t>
-            </a:r>
-          </a:p>
-          <a:p>
-            <a:pPr algn="ctr"/>
-            <a:endParaRPr lang="en-US" sz="2400" dirty="0"/>
-          </a:p>
-          <a:p>
-            <a:pPr algn="ctr"/>
-            <a:r>
-              <a:rPr lang="en-US" sz="2400" dirty="0" smtClean="0"/>
-              <a:t>Title</a:t>
-            </a:r>
-          </a:p>
-          <a:p>
-            <a:pPr algn="ctr"/>
-            <a:r>
-              <a:rPr lang="en-US" sz="2400" dirty="0" err="1" smtClean="0"/>
-              <a:t>ReleaseYear</a:t>
-            </a:r>
-            <a:endParaRPr lang="en-US" sz="2400" dirty="0" smtClean="0"/>
-          </a:p>
-        </p:txBody>
-      </p:sp>
-      <p:cxnSp>
-        <p:nvCxnSpPr>
-          <p:cNvPr id="6" name="Straight Connector 5"/>
-          <p:cNvCxnSpPr/>
-          <p:nvPr/>
-        </p:nvCxnSpPr>
-        <p:spPr>
-          <a:xfrm>
-            <a:off x="1903446" y="3928188"/>
-            <a:ext cx="2631232" cy="0"/>
-          </a:xfrm>
-          <a:prstGeom prst="line">
-            <a:avLst/>
-          </a:prstGeom>
-        </p:spPr>
-        <p:style>
-          <a:lnRef idx="3">
-            <a:schemeClr val="dk1"/>
-          </a:lnRef>
-          <a:fillRef idx="0">
-            <a:schemeClr val="dk1"/>
-          </a:fillRef>
-          <a:effectRef idx="2">
-            <a:schemeClr val="dk1"/>
-          </a:effectRef>
-          <a:fontRef idx="minor">
-            <a:schemeClr val="tx1"/>
-          </a:fontRef>
-        </p:style>
-      </p:cxnSp>
-      <p:sp>
-        <p:nvSpPr>
-          <p:cNvPr id="9" name="Rectangle 8"/>
-          <p:cNvSpPr/>
-          <p:nvPr/>
-        </p:nvSpPr>
-        <p:spPr>
-          <a:xfrm>
-            <a:off x="8092750" y="2453950"/>
-            <a:ext cx="2612571" cy="1754156"/>
-          </a:xfrm>
-          <a:prstGeom prst="rect">
-            <a:avLst/>
-          </a:prstGeom>
-        </p:spPr>
-        <p:style>
-          <a:lnRef idx="1">
-            <a:schemeClr val="accent6"/>
-          </a:lnRef>
-          <a:fillRef idx="2">
-            <a:schemeClr val="accent6"/>
-          </a:fillRef>
-          <a:effectRef idx="1">
-            <a:schemeClr val="accent6"/>
-          </a:effectRef>
-          <a:fontRef idx="minor">
-            <a:schemeClr val="dk1"/>
-          </a:fontRef>
-        </p:style>
-        <p:txBody>
-          <a:bodyPr rtlCol="0" anchor="ctr"/>
-          <a:lstStyle/>
-          <a:p>
-            <a:pPr algn="ctr"/>
-            <a:r>
-              <a:rPr lang="en-US" sz="2400" b="1" dirty="0" smtClean="0"/>
-              <a:t>Artist</a:t>
-            </a:r>
-          </a:p>
-          <a:p>
-            <a:pPr algn="ctr"/>
-            <a:endParaRPr lang="en-US" sz="2400" dirty="0"/>
-          </a:p>
-          <a:p>
-            <a:pPr algn="ctr"/>
-            <a:r>
-              <a:rPr lang="en-US" sz="2400" dirty="0" smtClean="0"/>
-              <a:t>Name</a:t>
-            </a:r>
-          </a:p>
-          <a:p>
-            <a:pPr algn="ctr"/>
-            <a:r>
-              <a:rPr lang="en-US" sz="2400" dirty="0" smtClean="0"/>
-              <a:t>Bio</a:t>
-            </a:r>
-          </a:p>
-        </p:txBody>
-      </p:sp>
-      <p:cxnSp>
-        <p:nvCxnSpPr>
-          <p:cNvPr id="10" name="Straight Connector 9"/>
-          <p:cNvCxnSpPr/>
-          <p:nvPr/>
-        </p:nvCxnSpPr>
-        <p:spPr>
-          <a:xfrm>
-            <a:off x="8074089" y="3051110"/>
-            <a:ext cx="2631232" cy="0"/>
-          </a:xfrm>
-          <a:prstGeom prst="line">
-            <a:avLst/>
-          </a:prstGeom>
-        </p:spPr>
-        <p:style>
-          <a:lnRef idx="3">
-            <a:schemeClr val="dk1"/>
-          </a:lnRef>
-          <a:fillRef idx="0">
-            <a:schemeClr val="dk1"/>
-          </a:fillRef>
-          <a:effectRef idx="2">
-            <a:schemeClr val="dk1"/>
-          </a:effectRef>
-          <a:fontRef idx="minor">
-            <a:schemeClr val="tx1"/>
-          </a:fontRef>
-        </p:style>
-      </p:cxnSp>
-      <p:cxnSp>
-        <p:nvCxnSpPr>
-          <p:cNvPr id="12" name="Elbow Connector 11"/>
-          <p:cNvCxnSpPr>
-            <a:stCxn id="4" idx="3"/>
-            <a:endCxn id="9" idx="1"/>
-          </p:cNvCxnSpPr>
-          <p:nvPr/>
-        </p:nvCxnSpPr>
-        <p:spPr>
-          <a:xfrm flipV="1">
-            <a:off x="4534678" y="3331028"/>
-            <a:ext cx="3558072" cy="877078"/>
-          </a:xfrm>
-          <a:prstGeom prst="bentConnector3">
-            <a:avLst/>
-          </a:prstGeom>
-          <a:ln>
-            <a:tailEnd type="triangle"/>
-          </a:ln>
-        </p:spPr>
-        <p:style>
-          <a:lnRef idx="3">
-            <a:schemeClr val="accent4"/>
-          </a:lnRef>
-          <a:fillRef idx="0">
-            <a:schemeClr val="accent4"/>
-          </a:fillRef>
-          <a:effectRef idx="2">
-            <a:schemeClr val="accent4"/>
-          </a:effectRef>
-          <a:fontRef idx="minor">
-            <a:schemeClr val="tx1"/>
-          </a:fontRef>
-        </p:style>
-      </p:cxnSp>
-      <p:sp>
-        <p:nvSpPr>
-          <p:cNvPr id="15" name="TextBox 14"/>
-          <p:cNvSpPr txBox="1"/>
-          <p:nvPr/>
-        </p:nvSpPr>
-        <p:spPr>
-          <a:xfrm>
-            <a:off x="7483151" y="2593910"/>
-            <a:ext cx="340158" cy="461665"/>
-          </a:xfrm>
-          <a:prstGeom prst="rect">
-            <a:avLst/>
-          </a:prstGeom>
-          <a:noFill/>
-        </p:spPr>
-        <p:txBody>
-          <a:bodyPr wrap="none" rtlCol="0">
-            <a:spAutoFit/>
-          </a:bodyPr>
-          <a:lstStyle/>
-          <a:p>
-            <a:r>
-              <a:rPr lang="en-US" sz="2400" dirty="0" smtClean="0"/>
-              <a:t>1</a:t>
-            </a:r>
-            <a:endParaRPr lang="en-US" sz="2400" dirty="0"/>
-          </a:p>
-        </p:txBody>
-      </p:sp>
-      <p:sp>
-        <p:nvSpPr>
-          <p:cNvPr id="16" name="TextBox 15"/>
-          <p:cNvSpPr txBox="1"/>
-          <p:nvPr/>
-        </p:nvSpPr>
-        <p:spPr>
-          <a:xfrm flipH="1">
-            <a:off x="4777272" y="4385006"/>
-            <a:ext cx="261258" cy="461665"/>
-          </a:xfrm>
-          <a:prstGeom prst="rect">
-            <a:avLst/>
-          </a:prstGeom>
-          <a:noFill/>
-        </p:spPr>
-        <p:txBody>
-          <a:bodyPr wrap="square" rtlCol="0">
-            <a:spAutoFit/>
-          </a:bodyPr>
-          <a:lstStyle/>
-          <a:p>
-            <a:r>
-              <a:rPr lang="en-US" sz="2400" dirty="0" smtClean="0"/>
-              <a:t>*</a:t>
-            </a:r>
-            <a:endParaRPr lang="en-US" sz="2400" dirty="0"/>
-          </a:p>
-        </p:txBody>
-      </p:sp>
-    </p:spTree>
-    <p:extLst>
-      <p:ext uri="{BB962C8B-B14F-4D97-AF65-F5344CB8AC3E}">
-        <p14:creationId xmlns:p14="http://schemas.microsoft.com/office/powerpoint/2010/main" val="3759462144"/>
-      </p:ext>
-    </p:extLst>
-  </p:cSld>
-  <p:clrMapOvr>
-    <a:masterClrMapping/>
-  </p:clrMapOvr>
-  <p:timing>
-    <p:tnLst>
-      <p:par>
-        <p:cTn id="1" dur="indefinite" restart="never" nodeType="tmRoot"/>
-      </p:par>
-    </p:tnLst>
-  </p:timing>
-</p:sld>
-</file>
-
-<file path=ppt/slides/slide5.xml><?xml version="1.0" encoding="utf-8"?>
-<p:sld xmlns:a="http://schemas.openxmlformats.org/drawingml/2006/main" xmlns:r="http://schemas.openxmlformats.org/officeDocument/2006/relationships" xmlns:p="http://schemas.openxmlformats.org/presentationml/2006/main">
-  <p:cSld>
-    <p:spTree>
-      <p:nvGrpSpPr>
-        <p:cNvPr id="1" name=""/>
-        <p:cNvGrpSpPr/>
-        <p:nvPr/>
-      </p:nvGrpSpPr>
-      <p:grpSpPr>
-        <a:xfrm>
-          <a:off x="0" y="0"/>
-          <a:ext cx="0" cy="0"/>
-          <a:chOff x="0" y="0"/>
-          <a:chExt cx="0" cy="0"/>
-        </a:xfrm>
-      </p:grpSpPr>
-      <p:sp>
-        <p:nvSpPr>
-          <p:cNvPr id="2" name="Title 1"/>
-          <p:cNvSpPr>
-            <a:spLocks noGrp="1"/>
-          </p:cNvSpPr>
-          <p:nvPr>
-            <p:ph type="title"/>
-          </p:nvPr>
-        </p:nvSpPr>
-        <p:spPr/>
-        <p:txBody>
-          <a:bodyPr/>
-          <a:lstStyle/>
-          <a:p>
-            <a:r>
-              <a:rPr lang="en-US" dirty="0" smtClean="0"/>
-              <a:t>So, if I wanted to create a relationship…</a:t>
-            </a:r>
-            <a:endParaRPr lang="en-US" dirty="0"/>
-          </a:p>
-        </p:txBody>
-      </p:sp>
-      <p:sp>
-        <p:nvSpPr>
-          <p:cNvPr id="3" name="Content Placeholder 2"/>
-          <p:cNvSpPr>
-            <a:spLocks noGrp="1"/>
-          </p:cNvSpPr>
-          <p:nvPr>
-            <p:ph sz="quarter" idx="10"/>
-          </p:nvPr>
-        </p:nvSpPr>
-        <p:spPr/>
-        <p:txBody>
-          <a:bodyPr/>
-          <a:lstStyle/>
-          <a:p>
-            <a:r>
-              <a:rPr lang="en-US" dirty="0" smtClean="0"/>
-              <a:t>I should be able to just add properties, right?</a:t>
-            </a:r>
-            <a:endParaRPr lang="en-US" dirty="0"/>
-          </a:p>
-        </p:txBody>
-      </p:sp>
-    </p:spTree>
-    <p:extLst>
-      <p:ext uri="{BB962C8B-B14F-4D97-AF65-F5344CB8AC3E}">
-        <p14:creationId xmlns:p14="http://schemas.microsoft.com/office/powerpoint/2010/main" val="3292191880"/>
-      </p:ext>
-    </p:extLst>
-  </p:cSld>
-  <p:clrMapOvr>
-    <a:masterClrMapping/>
-  </p:clrMapOvr>
-  <p:timing>
-    <p:tnLst>
-      <p:par>
-        <p:cTn id="1" dur="indefinite" restart="never" nodeType="tmRoot">
-          <p:childTnLst>
-            <p:seq concurrent="1" nextAc="seek">
-              <p:cTn id="2" dur="indefinite" nodeType="mainSeq">
-                <p:childTnLst>
-                  <p:par>
-                    <p:cTn id="3" fill="hold">
-                      <p:stCondLst>
-                        <p:cond delay="indefinite"/>
-                      </p:stCondLst>
-                      <p:childTnLst>
-                        <p:par>
-                          <p:cTn id="4" fill="hold">
-                            <p:stCondLst>
-                              <p:cond delay="0"/>
-                            </p:stCondLst>
-                            <p:childTnLst>
-                              <p:par>
-                                <p:cTn id="5" presetID="10" presetClass="entr" presetSubtype="0" fill="hold" nodeType="clickEffect">
-                                  <p:stCondLst>
-                                    <p:cond delay="0"/>
-                                  </p:stCondLst>
-                                  <p:childTnLst>
-                                    <p:set>
-                                      <p:cBhvr>
-                                        <p:cTn id="6" dur="1" fill="hold">
-                                          <p:stCondLst>
-                                            <p:cond delay="0"/>
-                                          </p:stCondLst>
-                                        </p:cTn>
-                                        <p:tgtEl>
-                                          <p:spTgt spid="3">
-                                            <p:txEl>
-                                              <p:pRg st="0" end="0"/>
-                                            </p:txEl>
-                                          </p:spTgt>
-                                        </p:tgtEl>
-                                        <p:attrNameLst>
-                                          <p:attrName>style.visibility</p:attrName>
-                                        </p:attrNameLst>
-                                      </p:cBhvr>
-                                      <p:to>
-                                        <p:strVal val="visible"/>
-                                      </p:to>
-                                    </p:set>
-                                    <p:animEffect transition="in" filter="fade">
-                                      <p:cBhvr>
-                                        <p:cTn id="7" dur="500"/>
-                                        <p:tgtEl>
-                                          <p:spTgt spid="3">
-                                            <p:txEl>
-                                              <p:pRg st="0" end="0"/>
-                                            </p:txEl>
-                                          </p:spTgt>
-                                        </p:tgtEl>
-                                      </p:cBhvr>
-                                    </p:animEffect>
-                                  </p:childTnLst>
-                                </p:cTn>
-                              </p:par>
-                            </p:childTnLst>
-                          </p:cTn>
-                        </p:par>
-                      </p:childTnLst>
-                    </p:cTn>
-                  </p:par>
-                </p:childTnLst>
-              </p:cTn>
-              <p:prevCondLst>
-                <p:cond evt="onPrev" delay="0">
-                  <p:tgtEl>
-                    <p:sldTgt/>
-                  </p:tgtEl>
-                </p:cond>
-              </p:prevCondLst>
-              <p:nextCondLst>
-                <p:cond evt="onNext" delay="0">
-                  <p:tgtEl>
-                    <p:sldTgt/>
-                  </p:tgtEl>
-                </p:cond>
-              </p:nextCondLst>
-            </p:seq>
-          </p:childTnLst>
-        </p:cTn>
-      </p:par>
-    </p:tnLst>
-  </p:timing>
-</p:sld>
-</file>
-
-<file path=ppt/slides/slide6.xml><?xml version="1.0" encoding="utf-8"?>
-<p:sld xmlns:a="http://schemas.openxmlformats.org/drawingml/2006/main" xmlns:r="http://schemas.openxmlformats.org/officeDocument/2006/relationships" xmlns:p="http://schemas.openxmlformats.org/presentationml/2006/main">
-  <p:cSld>
-    <p:spTree>
-      <p:nvGrpSpPr>
-        <p:cNvPr id="1" name=""/>
-        <p:cNvGrpSpPr/>
-        <p:nvPr/>
-      </p:nvGrpSpPr>
-      <p:grpSpPr>
-        <a:xfrm>
-          <a:off x="0" y="0"/>
-          <a:ext cx="0" cy="0"/>
-          <a:chOff x="0" y="0"/>
-          <a:chExt cx="0" cy="0"/>
-        </a:xfrm>
-      </p:grpSpPr>
-      <p:sp>
-        <p:nvSpPr>
-          <p:cNvPr id="2" name="Title 1"/>
-          <p:cNvSpPr>
-            <a:spLocks noGrp="1"/>
-          </p:cNvSpPr>
-          <p:nvPr>
-            <p:ph type="title"/>
-          </p:nvPr>
-        </p:nvSpPr>
-        <p:spPr/>
-        <p:txBody>
-          <a:bodyPr/>
-          <a:lstStyle/>
-          <a:p>
-            <a:r>
-              <a:rPr lang="en-US" dirty="0" smtClean="0"/>
-              <a:t>Let's just see what happens…</a:t>
-            </a:r>
-            <a:endParaRPr lang="en-US" dirty="0"/>
-          </a:p>
-        </p:txBody>
-      </p:sp>
-    </p:spTree>
-    <p:extLst>
-      <p:ext uri="{BB962C8B-B14F-4D97-AF65-F5344CB8AC3E}">
-        <p14:creationId xmlns:p14="http://schemas.microsoft.com/office/powerpoint/2010/main" val="4107437968"/>
-      </p:ext>
-    </p:extLst>
-  </p:cSld>
-  <p:clrMapOvr>
-    <a:masterClrMapping/>
-  </p:clrMapOvr>
-  <p:timing>
-    <p:tnLst>
-      <p:par>
-        <p:cTn id="1" dur="indefinite" restart="never" nodeType="tmRoot"/>
-      </p:par>
-    </p:tnLst>
-  </p:timing>
-</p:sld>
-</file>
-
-<file path=ppt/slides/slide7.xml><?xml version="1.0" encoding="utf-8"?>
-<p:sld xmlns:a="http://schemas.openxmlformats.org/drawingml/2006/main" xmlns:r="http://schemas.openxmlformats.org/officeDocument/2006/relationships" xmlns:p="http://schemas.openxmlformats.org/presentationml/2006/main">
-  <p:cSld>
-    <p:bg>
-      <p:bgPr>
-        <a:solidFill>
-          <a:schemeClr val="accent2">
-            <a:lumMod val="75000"/>
-          </a:schemeClr>
-        </a:solidFill>
-        <a:effectLst/>
-      </p:bgPr>
-    </p:bg>
-    <p:spTree>
-      <p:nvGrpSpPr>
-        <p:cNvPr id="1" name=""/>
-        <p:cNvGrpSpPr/>
-        <p:nvPr/>
-      </p:nvGrpSpPr>
-      <p:grpSpPr>
-        <a:xfrm>
-          <a:off x="0" y="0"/>
-          <a:ext cx="0" cy="0"/>
-          <a:chOff x="0" y="0"/>
-          <a:chExt cx="0" cy="0"/>
-        </a:xfrm>
-      </p:grpSpPr>
-      <p:sp>
-        <p:nvSpPr>
-          <p:cNvPr id="3" name="TextBox 2"/>
-          <p:cNvSpPr txBox="1"/>
-          <p:nvPr/>
-        </p:nvSpPr>
-        <p:spPr>
-          <a:xfrm>
-            <a:off x="1789212" y="2828836"/>
-            <a:ext cx="8613576" cy="1200329"/>
-          </a:xfrm>
-          <a:prstGeom prst="rect">
-            <a:avLst/>
-          </a:prstGeom>
-          <a:noFill/>
-        </p:spPr>
-        <p:txBody>
-          <a:bodyPr wrap="none" rtlCol="0">
-            <a:spAutoFit/>
-          </a:bodyPr>
-          <a:lstStyle/>
-          <a:p>
-            <a:r>
-              <a:rPr lang="en-US" sz="7200" dirty="0" smtClean="0">
-                <a:solidFill>
-                  <a:schemeClr val="bg1"/>
-                </a:solidFill>
-              </a:rPr>
-              <a:t>Well, that didn't work!</a:t>
-            </a:r>
-            <a:endParaRPr lang="en-US" sz="7200" dirty="0">
-              <a:solidFill>
-                <a:schemeClr val="bg1"/>
-              </a:solidFill>
-            </a:endParaRPr>
-          </a:p>
-        </p:txBody>
-      </p:sp>
-    </p:spTree>
-    <p:extLst>
-      <p:ext uri="{BB962C8B-B14F-4D97-AF65-F5344CB8AC3E}">
-        <p14:creationId xmlns:p14="http://schemas.microsoft.com/office/powerpoint/2010/main" val="2597123756"/>
-      </p:ext>
-    </p:extLst>
-  </p:cSld>
-  <p:clrMapOvr>
-    <a:masterClrMapping/>
-  </p:clrMapOvr>
-  <p:timing>
-    <p:tnLst>
-      <p:par>
-        <p:cTn id="1" dur="indefinite" restart="never" nodeType="tmRoot"/>
-      </p:par>
-    </p:tnLst>
-  </p:timing>
-</p:sld>
-</file>
-
-<file path=ppt/slides/slide8.xml><?xml version="1.0" encoding="utf-8"?>
-<p:sld xmlns:a="http://schemas.openxmlformats.org/drawingml/2006/main" xmlns:r="http://schemas.openxmlformats.org/officeDocument/2006/relationships" xmlns:p="http://schemas.openxmlformats.org/presentationml/2006/main">
-  <p:cSld>
-    <p:spTree>
-      <p:nvGrpSpPr>
-        <p:cNvPr id="1" name=""/>
-        <p:cNvGrpSpPr/>
-        <p:nvPr/>
-      </p:nvGrpSpPr>
-      <p:grpSpPr>
-        <a:xfrm>
-          <a:off x="0" y="0"/>
-          <a:ext cx="0" cy="0"/>
-          <a:chOff x="0" y="0"/>
-          <a:chExt cx="0" cy="0"/>
-        </a:xfrm>
-      </p:grpSpPr>
-      <p:sp>
-        <p:nvSpPr>
-          <p:cNvPr id="2" name="Title 1"/>
-          <p:cNvSpPr>
-            <a:spLocks noGrp="1"/>
-          </p:cNvSpPr>
-          <p:nvPr>
-            <p:ph type="title"/>
-          </p:nvPr>
-        </p:nvSpPr>
-        <p:spPr/>
-        <p:txBody>
-          <a:bodyPr/>
-          <a:lstStyle/>
-          <a:p>
-            <a:r>
-              <a:rPr lang="en-US" dirty="0" smtClean="0"/>
-              <a:t>Why did we get a null reference error?</a:t>
-            </a:r>
-            <a:endParaRPr lang="en-US" dirty="0"/>
-          </a:p>
-        </p:txBody>
-      </p:sp>
-      <p:sp>
-        <p:nvSpPr>
-          <p:cNvPr id="3" name="Content Placeholder 2"/>
-          <p:cNvSpPr>
-            <a:spLocks noGrp="1"/>
-          </p:cNvSpPr>
-          <p:nvPr>
-            <p:ph sz="quarter" idx="10"/>
-          </p:nvPr>
-        </p:nvSpPr>
-        <p:spPr/>
-        <p:txBody>
-          <a:bodyPr/>
-          <a:lstStyle/>
-          <a:p>
-            <a:r>
-              <a:rPr lang="en-US" dirty="0" smtClean="0"/>
-              <a:t>Entity Framework uses lazy loading by default</a:t>
-            </a:r>
-          </a:p>
-          <a:p>
-            <a:r>
-              <a:rPr lang="en-US" dirty="0" smtClean="0"/>
-              <a:t>"Magic" to make this work uses dependency injection &amp; inheritance</a:t>
-            </a:r>
-            <a:endParaRPr lang="en-US" dirty="0"/>
-          </a:p>
-        </p:txBody>
-      </p:sp>
-    </p:spTree>
-    <p:extLst>
-      <p:ext uri="{BB962C8B-B14F-4D97-AF65-F5344CB8AC3E}">
-        <p14:creationId xmlns:p14="http://schemas.microsoft.com/office/powerpoint/2010/main" val="768392387"/>
-      </p:ext>
-    </p:extLst>
-  </p:cSld>
-  <p:clrMapOvr>
-    <a:masterClrMapping/>
-  </p:clrMapOvr>
-  <p:timing>
-    <p:tnLst>
-      <p:par>
-        <p:cTn id="1" dur="indefinite" restart="never" nodeType="tmRoot"/>
-      </p:par>
-    </p:tnLst>
-  </p:timing>
-</p:sld>
-</file>
-
-<file path=ppt/slides/slide9.xml><?xml version="1.0" encoding="utf-8"?>
 <p:sld xmlns:a="http://schemas.openxmlformats.org/drawingml/2006/main" xmlns:r="http://schemas.openxmlformats.org/officeDocument/2006/relationships" xmlns:p="http://schemas.openxmlformats.org/presentationml/2006/main">
   <p:cSld>
     <p:spTree>
@@ -6479,6 +4323,2256 @@
       <p:bldP spid="8" grpId="0" animBg="1"/>
       <p:bldP spid="9" grpId="0" animBg="1"/>
     </p:bldLst>
+  </p:timing>
+</p:sld>
+</file>
+
+<file path=ppt/slides/slide11.xml><?xml version="1.0" encoding="utf-8"?>
+<p:sld xmlns:a="http://schemas.openxmlformats.org/drawingml/2006/main" xmlns:r="http://schemas.openxmlformats.org/officeDocument/2006/relationships" xmlns:p="http://schemas.openxmlformats.org/presentationml/2006/main">
+  <p:cSld>
+    <p:spTree>
+      <p:nvGrpSpPr>
+        <p:cNvPr id="1" name=""/>
+        <p:cNvGrpSpPr/>
+        <p:nvPr/>
+      </p:nvGrpSpPr>
+      <p:grpSpPr>
+        <a:xfrm>
+          <a:off x="0" y="0"/>
+          <a:ext cx="0" cy="0"/>
+          <a:chOff x="0" y="0"/>
+          <a:chExt cx="0" cy="0"/>
+        </a:xfrm>
+      </p:grpSpPr>
+      <p:sp>
+        <p:nvSpPr>
+          <p:cNvPr id="2" name="Title 1"/>
+          <p:cNvSpPr>
+            <a:spLocks noGrp="1"/>
+          </p:cNvSpPr>
+          <p:nvPr>
+            <p:ph type="title"/>
+          </p:nvPr>
+        </p:nvSpPr>
+        <p:spPr/>
+        <p:txBody>
+          <a:bodyPr/>
+          <a:lstStyle/>
+          <a:p>
+            <a:r>
+              <a:rPr lang="en-US" dirty="0" smtClean="0"/>
+              <a:t>How do we support lazy loading?</a:t>
+            </a:r>
+            <a:endParaRPr lang="en-US" dirty="0"/>
+          </a:p>
+        </p:txBody>
+      </p:sp>
+      <p:sp>
+        <p:nvSpPr>
+          <p:cNvPr id="3" name="Content Placeholder 2"/>
+          <p:cNvSpPr>
+            <a:spLocks noGrp="1"/>
+          </p:cNvSpPr>
+          <p:nvPr>
+            <p:ph sz="quarter" idx="10"/>
+          </p:nvPr>
+        </p:nvSpPr>
+        <p:spPr/>
+        <p:txBody>
+          <a:bodyPr/>
+          <a:lstStyle/>
+          <a:p>
+            <a:r>
+              <a:rPr lang="en-US" dirty="0" smtClean="0"/>
+              <a:t>Mark all complex type properties as virtual</a:t>
+            </a:r>
+          </a:p>
+          <a:p>
+            <a:endParaRPr lang="en-US" dirty="0"/>
+          </a:p>
+          <a:p>
+            <a:r>
+              <a:rPr lang="en-US" dirty="0" smtClean="0"/>
+              <a:t>Can I disable lazy loading?</a:t>
+            </a:r>
+          </a:p>
+          <a:p>
+            <a:pPr lvl="1"/>
+            <a:r>
+              <a:rPr lang="en-US" dirty="0" smtClean="0"/>
+              <a:t>Short answer: yes</a:t>
+            </a:r>
+          </a:p>
+          <a:p>
+            <a:pPr lvl="1"/>
+            <a:r>
+              <a:rPr lang="en-US" dirty="0" smtClean="0"/>
+              <a:t>Longer answer: need to tell EF what to load and when to load it</a:t>
+            </a:r>
+          </a:p>
+          <a:p>
+            <a:pPr lvl="2"/>
+            <a:r>
+              <a:rPr lang="en-US" dirty="0" smtClean="0"/>
+              <a:t>Adam will talk about this later today</a:t>
+            </a:r>
+            <a:endParaRPr lang="en-US" dirty="0"/>
+          </a:p>
+        </p:txBody>
+      </p:sp>
+    </p:spTree>
+    <p:extLst>
+      <p:ext uri="{BB962C8B-B14F-4D97-AF65-F5344CB8AC3E}">
+        <p14:creationId xmlns:p14="http://schemas.microsoft.com/office/powerpoint/2010/main" val="2386000134"/>
+      </p:ext>
+    </p:extLst>
+  </p:cSld>
+  <p:clrMapOvr>
+    <a:masterClrMapping/>
+  </p:clrMapOvr>
+  <p:timing>
+    <p:tnLst>
+      <p:par>
+        <p:cTn id="1" dur="indefinite" restart="never" nodeType="tmRoot"/>
+      </p:par>
+    </p:tnLst>
+  </p:timing>
+</p:sld>
+</file>
+
+<file path=ppt/slides/slide12.xml><?xml version="1.0" encoding="utf-8"?>
+<p:sld xmlns:a="http://schemas.openxmlformats.org/drawingml/2006/main" xmlns:r="http://schemas.openxmlformats.org/officeDocument/2006/relationships" xmlns:p="http://schemas.openxmlformats.org/presentationml/2006/main">
+  <p:cSld>
+    <p:spTree>
+      <p:nvGrpSpPr>
+        <p:cNvPr id="1" name=""/>
+        <p:cNvGrpSpPr/>
+        <p:nvPr/>
+      </p:nvGrpSpPr>
+      <p:grpSpPr>
+        <a:xfrm>
+          <a:off x="0" y="0"/>
+          <a:ext cx="0" cy="0"/>
+          <a:chOff x="0" y="0"/>
+          <a:chExt cx="0" cy="0"/>
+        </a:xfrm>
+      </p:grpSpPr>
+      <p:sp>
+        <p:nvSpPr>
+          <p:cNvPr id="2" name="Title 1"/>
+          <p:cNvSpPr>
+            <a:spLocks noGrp="1"/>
+          </p:cNvSpPr>
+          <p:nvPr>
+            <p:ph type="title"/>
+          </p:nvPr>
+        </p:nvSpPr>
+        <p:spPr/>
+        <p:txBody>
+          <a:bodyPr/>
+          <a:lstStyle/>
+          <a:p>
+            <a:r>
+              <a:rPr lang="en-US" dirty="0" smtClean="0"/>
+              <a:t>Is that all I need to know?</a:t>
+            </a:r>
+            <a:endParaRPr lang="en-US" dirty="0"/>
+          </a:p>
+        </p:txBody>
+      </p:sp>
+      <p:sp>
+        <p:nvSpPr>
+          <p:cNvPr id="3" name="Content Placeholder 2"/>
+          <p:cNvSpPr>
+            <a:spLocks noGrp="1"/>
+          </p:cNvSpPr>
+          <p:nvPr>
+            <p:ph sz="quarter" idx="10"/>
+          </p:nvPr>
+        </p:nvSpPr>
+        <p:spPr/>
+        <p:txBody>
+          <a:bodyPr/>
+          <a:lstStyle/>
+          <a:p>
+            <a:r>
+              <a:rPr lang="en-US" dirty="0" smtClean="0"/>
+              <a:t>Well… Not really…</a:t>
+            </a:r>
+          </a:p>
+          <a:p>
+            <a:endParaRPr lang="en-US" dirty="0"/>
+          </a:p>
+          <a:p>
+            <a:r>
+              <a:rPr lang="en-US" dirty="0" smtClean="0"/>
+              <a:t>When loaded the child property is null</a:t>
+            </a:r>
+          </a:p>
+          <a:p>
+            <a:r>
+              <a:rPr lang="en-US" dirty="0" smtClean="0"/>
+              <a:t>If you save the object to the database, it will attempt to save the object with a null property</a:t>
+            </a:r>
+          </a:p>
+          <a:p>
+            <a:pPr lvl="1"/>
+            <a:r>
+              <a:rPr lang="en-US" dirty="0" smtClean="0"/>
+              <a:t>This will raise a referential integrity error</a:t>
+            </a:r>
+            <a:endParaRPr lang="en-US" dirty="0"/>
+          </a:p>
+        </p:txBody>
+      </p:sp>
+    </p:spTree>
+    <p:extLst>
+      <p:ext uri="{BB962C8B-B14F-4D97-AF65-F5344CB8AC3E}">
+        <p14:creationId xmlns:p14="http://schemas.microsoft.com/office/powerpoint/2010/main" val="2197543313"/>
+      </p:ext>
+    </p:extLst>
+  </p:cSld>
+  <p:clrMapOvr>
+    <a:masterClrMapping/>
+  </p:clrMapOvr>
+  <p:timing>
+    <p:tnLst>
+      <p:par>
+        <p:cTn id="1" dur="indefinite" restart="never" nodeType="tmRoot">
+          <p:childTnLst>
+            <p:seq concurrent="1" nextAc="seek">
+              <p:cTn id="2" dur="indefinite" nodeType="mainSeq">
+                <p:childTnLst>
+                  <p:par>
+                    <p:cTn id="3" fill="hold">
+                      <p:stCondLst>
+                        <p:cond delay="indefinite"/>
+                      </p:stCondLst>
+                      <p:childTnLst>
+                        <p:par>
+                          <p:cTn id="4" fill="hold">
+                            <p:stCondLst>
+                              <p:cond delay="0"/>
+                            </p:stCondLst>
+                            <p:childTnLst>
+                              <p:par>
+                                <p:cTn id="5" presetID="10" presetClass="entr" presetSubtype="0" fill="hold" nodeType="clickEffect">
+                                  <p:stCondLst>
+                                    <p:cond delay="0"/>
+                                  </p:stCondLst>
+                                  <p:childTnLst>
+                                    <p:set>
+                                      <p:cBhvr>
+                                        <p:cTn id="6" dur="1" fill="hold">
+                                          <p:stCondLst>
+                                            <p:cond delay="0"/>
+                                          </p:stCondLst>
+                                        </p:cTn>
+                                        <p:tgtEl>
+                                          <p:spTgt spid="3">
+                                            <p:txEl>
+                                              <p:pRg st="2" end="2"/>
+                                            </p:txEl>
+                                          </p:spTgt>
+                                        </p:tgtEl>
+                                        <p:attrNameLst>
+                                          <p:attrName>style.visibility</p:attrName>
+                                        </p:attrNameLst>
+                                      </p:cBhvr>
+                                      <p:to>
+                                        <p:strVal val="visible"/>
+                                      </p:to>
+                                    </p:set>
+                                    <p:animEffect transition="in" filter="fade">
+                                      <p:cBhvr>
+                                        <p:cTn id="7" dur="500"/>
+                                        <p:tgtEl>
+                                          <p:spTgt spid="3">
+                                            <p:txEl>
+                                              <p:pRg st="2" end="2"/>
+                                            </p:txEl>
+                                          </p:spTgt>
+                                        </p:tgtEl>
+                                      </p:cBhvr>
+                                    </p:animEffect>
+                                  </p:childTnLst>
+                                </p:cTn>
+                              </p:par>
+                              <p:par>
+                                <p:cTn id="8" presetID="10" presetClass="entr" presetSubtype="0" fill="hold" nodeType="withEffect">
+                                  <p:stCondLst>
+                                    <p:cond delay="0"/>
+                                  </p:stCondLst>
+                                  <p:childTnLst>
+                                    <p:set>
+                                      <p:cBhvr>
+                                        <p:cTn id="9" dur="1" fill="hold">
+                                          <p:stCondLst>
+                                            <p:cond delay="0"/>
+                                          </p:stCondLst>
+                                        </p:cTn>
+                                        <p:tgtEl>
+                                          <p:spTgt spid="3">
+                                            <p:txEl>
+                                              <p:pRg st="3" end="3"/>
+                                            </p:txEl>
+                                          </p:spTgt>
+                                        </p:tgtEl>
+                                        <p:attrNameLst>
+                                          <p:attrName>style.visibility</p:attrName>
+                                        </p:attrNameLst>
+                                      </p:cBhvr>
+                                      <p:to>
+                                        <p:strVal val="visible"/>
+                                      </p:to>
+                                    </p:set>
+                                    <p:animEffect transition="in" filter="fade">
+                                      <p:cBhvr>
+                                        <p:cTn id="10" dur="500"/>
+                                        <p:tgtEl>
+                                          <p:spTgt spid="3">
+                                            <p:txEl>
+                                              <p:pRg st="3" end="3"/>
+                                            </p:txEl>
+                                          </p:spTgt>
+                                        </p:tgtEl>
+                                      </p:cBhvr>
+                                    </p:animEffect>
+                                  </p:childTnLst>
+                                </p:cTn>
+                              </p:par>
+                              <p:par>
+                                <p:cTn id="11" presetID="10" presetClass="entr" presetSubtype="0" fill="hold" nodeType="withEffect">
+                                  <p:stCondLst>
+                                    <p:cond delay="0"/>
+                                  </p:stCondLst>
+                                  <p:childTnLst>
+                                    <p:set>
+                                      <p:cBhvr>
+                                        <p:cTn id="12" dur="1" fill="hold">
+                                          <p:stCondLst>
+                                            <p:cond delay="0"/>
+                                          </p:stCondLst>
+                                        </p:cTn>
+                                        <p:tgtEl>
+                                          <p:spTgt spid="3">
+                                            <p:txEl>
+                                              <p:pRg st="4" end="4"/>
+                                            </p:txEl>
+                                          </p:spTgt>
+                                        </p:tgtEl>
+                                        <p:attrNameLst>
+                                          <p:attrName>style.visibility</p:attrName>
+                                        </p:attrNameLst>
+                                      </p:cBhvr>
+                                      <p:to>
+                                        <p:strVal val="visible"/>
+                                      </p:to>
+                                    </p:set>
+                                    <p:animEffect transition="in" filter="fade">
+                                      <p:cBhvr>
+                                        <p:cTn id="13" dur="500"/>
+                                        <p:tgtEl>
+                                          <p:spTgt spid="3">
+                                            <p:txEl>
+                                              <p:pRg st="4" end="4"/>
+                                            </p:txEl>
+                                          </p:spTgt>
+                                        </p:tgtEl>
+                                      </p:cBhvr>
+                                    </p:animEffect>
+                                  </p:childTnLst>
+                                </p:cTn>
+                              </p:par>
+                            </p:childTnLst>
+                          </p:cTn>
+                        </p:par>
+                      </p:childTnLst>
+                    </p:cTn>
+                  </p:par>
+                </p:childTnLst>
+              </p:cTn>
+              <p:prevCondLst>
+                <p:cond evt="onPrev" delay="0">
+                  <p:tgtEl>
+                    <p:sldTgt/>
+                  </p:tgtEl>
+                </p:cond>
+              </p:prevCondLst>
+              <p:nextCondLst>
+                <p:cond evt="onNext" delay="0">
+                  <p:tgtEl>
+                    <p:sldTgt/>
+                  </p:tgtEl>
+                </p:cond>
+              </p:nextCondLst>
+            </p:seq>
+          </p:childTnLst>
+        </p:cTn>
+      </p:par>
+    </p:tnLst>
+  </p:timing>
+</p:sld>
+</file>
+
+<file path=ppt/slides/slide13.xml><?xml version="1.0" encoding="utf-8"?>
+<p:sld xmlns:a="http://schemas.openxmlformats.org/drawingml/2006/main" xmlns:r="http://schemas.openxmlformats.org/officeDocument/2006/relationships" xmlns:p="http://schemas.openxmlformats.org/presentationml/2006/main">
+  <p:cSld>
+    <p:spTree>
+      <p:nvGrpSpPr>
+        <p:cNvPr id="1" name=""/>
+        <p:cNvGrpSpPr/>
+        <p:nvPr/>
+      </p:nvGrpSpPr>
+      <p:grpSpPr>
+        <a:xfrm>
+          <a:off x="0" y="0"/>
+          <a:ext cx="0" cy="0"/>
+          <a:chOff x="0" y="0"/>
+          <a:chExt cx="0" cy="0"/>
+        </a:xfrm>
+      </p:grpSpPr>
+      <p:sp>
+        <p:nvSpPr>
+          <p:cNvPr id="2" name="Title 1"/>
+          <p:cNvSpPr>
+            <a:spLocks noGrp="1"/>
+          </p:cNvSpPr>
+          <p:nvPr>
+            <p:ph type="title"/>
+          </p:nvPr>
+        </p:nvSpPr>
+        <p:spPr/>
+        <p:txBody>
+          <a:bodyPr/>
+          <a:lstStyle/>
+          <a:p>
+            <a:r>
+              <a:rPr lang="en-US" dirty="0" smtClean="0"/>
+              <a:t>How do I solve that?</a:t>
+            </a:r>
+            <a:endParaRPr lang="en-US" dirty="0"/>
+          </a:p>
+        </p:txBody>
+      </p:sp>
+      <p:sp>
+        <p:nvSpPr>
+          <p:cNvPr id="3" name="Content Placeholder 2"/>
+          <p:cNvSpPr>
+            <a:spLocks noGrp="1"/>
+          </p:cNvSpPr>
+          <p:nvPr>
+            <p:ph sz="quarter" idx="10"/>
+          </p:nvPr>
+        </p:nvSpPr>
+        <p:spPr/>
+        <p:txBody>
+          <a:bodyPr/>
+          <a:lstStyle/>
+          <a:p>
+            <a:r>
+              <a:rPr lang="en-US" dirty="0" smtClean="0"/>
+              <a:t>Add a property for the key of the primary object</a:t>
+            </a:r>
+          </a:p>
+          <a:p>
+            <a:pPr lvl="1"/>
+            <a:r>
+              <a:rPr lang="en-US" dirty="0" err="1" smtClean="0"/>
+              <a:t>ArtistID</a:t>
+            </a:r>
+            <a:r>
+              <a:rPr lang="en-US" dirty="0" smtClean="0"/>
+              <a:t> for Artist</a:t>
+            </a:r>
+          </a:p>
+          <a:p>
+            <a:r>
+              <a:rPr lang="en-US" dirty="0" smtClean="0"/>
+              <a:t>Entity Framework will automatically pick this up based on convention</a:t>
+            </a:r>
+          </a:p>
+          <a:p>
+            <a:pPr lvl="1"/>
+            <a:r>
+              <a:rPr lang="en-US" dirty="0" smtClean="0"/>
+              <a:t>Use the </a:t>
+            </a:r>
+            <a:r>
+              <a:rPr lang="en-US" dirty="0" err="1" smtClean="0"/>
+              <a:t>ForeignKeyAttribute</a:t>
+            </a:r>
+            <a:r>
+              <a:rPr lang="en-US" dirty="0" smtClean="0"/>
+              <a:t> if you need to change the name</a:t>
+            </a:r>
+            <a:endParaRPr lang="en-US" dirty="0"/>
+          </a:p>
+        </p:txBody>
+      </p:sp>
+    </p:spTree>
+    <p:extLst>
+      <p:ext uri="{BB962C8B-B14F-4D97-AF65-F5344CB8AC3E}">
+        <p14:creationId xmlns:p14="http://schemas.microsoft.com/office/powerpoint/2010/main" val="2336346527"/>
+      </p:ext>
+    </p:extLst>
+  </p:cSld>
+  <p:clrMapOvr>
+    <a:masterClrMapping/>
+  </p:clrMapOvr>
+  <p:timing>
+    <p:tnLst>
+      <p:par>
+        <p:cTn id="1" dur="indefinite" restart="never" nodeType="tmRoot"/>
+      </p:par>
+    </p:tnLst>
+  </p:timing>
+</p:sld>
+</file>
+
+<file path=ppt/slides/slide14.xml><?xml version="1.0" encoding="utf-8"?>
+<p:sld xmlns:a="http://schemas.openxmlformats.org/drawingml/2006/main" xmlns:r="http://schemas.openxmlformats.org/officeDocument/2006/relationships" xmlns:p="http://schemas.openxmlformats.org/presentationml/2006/main">
+  <p:cSld>
+    <p:spTree>
+      <p:nvGrpSpPr>
+        <p:cNvPr id="1" name=""/>
+        <p:cNvGrpSpPr/>
+        <p:nvPr/>
+      </p:nvGrpSpPr>
+      <p:grpSpPr>
+        <a:xfrm>
+          <a:off x="0" y="0"/>
+          <a:ext cx="0" cy="0"/>
+          <a:chOff x="0" y="0"/>
+          <a:chExt cx="0" cy="0"/>
+        </a:xfrm>
+      </p:grpSpPr>
+      <p:sp>
+        <p:nvSpPr>
+          <p:cNvPr id="4" name="Title 3"/>
+          <p:cNvSpPr>
+            <a:spLocks noGrp="1"/>
+          </p:cNvSpPr>
+          <p:nvPr>
+            <p:ph type="title"/>
+          </p:nvPr>
+        </p:nvSpPr>
+        <p:spPr/>
+        <p:txBody>
+          <a:bodyPr/>
+          <a:lstStyle/>
+          <a:p>
+            <a:r>
+              <a:rPr lang="en-US" dirty="0" smtClean="0"/>
+              <a:t>One-to-many relationships, for real</a:t>
+            </a:r>
+            <a:endParaRPr lang="en-US" dirty="0"/>
+          </a:p>
+        </p:txBody>
+      </p:sp>
+    </p:spTree>
+    <p:extLst>
+      <p:ext uri="{BB962C8B-B14F-4D97-AF65-F5344CB8AC3E}">
+        <p14:creationId xmlns:p14="http://schemas.microsoft.com/office/powerpoint/2010/main" val="928919552"/>
+      </p:ext>
+    </p:extLst>
+  </p:cSld>
+  <p:clrMapOvr>
+    <a:masterClrMapping/>
+  </p:clrMapOvr>
+  <p:timing>
+    <p:tnLst>
+      <p:par>
+        <p:cTn id="1" dur="indefinite" restart="never" nodeType="tmRoot"/>
+      </p:par>
+    </p:tnLst>
+  </p:timing>
+</p:sld>
+</file>
+
+<file path=ppt/slides/slide15.xml><?xml version="1.0" encoding="utf-8"?>
+<p:sld xmlns:a="http://schemas.openxmlformats.org/drawingml/2006/main" xmlns:r="http://schemas.openxmlformats.org/officeDocument/2006/relationships" xmlns:p="http://schemas.openxmlformats.org/presentationml/2006/main">
+  <p:cSld>
+    <p:spTree>
+      <p:nvGrpSpPr>
+        <p:cNvPr id="1" name=""/>
+        <p:cNvGrpSpPr/>
+        <p:nvPr/>
+      </p:nvGrpSpPr>
+      <p:grpSpPr>
+        <a:xfrm>
+          <a:off x="0" y="0"/>
+          <a:ext cx="0" cy="0"/>
+          <a:chOff x="0" y="0"/>
+          <a:chExt cx="0" cy="0"/>
+        </a:xfrm>
+      </p:grpSpPr>
+      <p:sp>
+        <p:nvSpPr>
+          <p:cNvPr id="3" name="Title 2"/>
+          <p:cNvSpPr>
+            <a:spLocks noGrp="1"/>
+          </p:cNvSpPr>
+          <p:nvPr>
+            <p:ph type="title"/>
+          </p:nvPr>
+        </p:nvSpPr>
+        <p:spPr/>
+        <p:txBody>
+          <a:bodyPr/>
+          <a:lstStyle/>
+          <a:p>
+            <a:r>
+              <a:rPr lang="en-US" dirty="0" smtClean="0"/>
+              <a:t>Final one-to-many relationship note</a:t>
+            </a:r>
+            <a:endParaRPr lang="en-US" dirty="0"/>
+          </a:p>
+        </p:txBody>
+      </p:sp>
+      <p:sp>
+        <p:nvSpPr>
+          <p:cNvPr id="4" name="Content Placeholder 3"/>
+          <p:cNvSpPr>
+            <a:spLocks noGrp="1"/>
+          </p:cNvSpPr>
+          <p:nvPr>
+            <p:ph sz="quarter" idx="10"/>
+          </p:nvPr>
+        </p:nvSpPr>
+        <p:spPr/>
+        <p:txBody>
+          <a:bodyPr/>
+          <a:lstStyle/>
+          <a:p>
+            <a:r>
+              <a:rPr lang="en-US" dirty="0" smtClean="0"/>
+              <a:t>Cascade delete is set to true</a:t>
+            </a:r>
+          </a:p>
+          <a:p>
+            <a:pPr lvl="1"/>
+            <a:r>
+              <a:rPr lang="en-US" dirty="0" smtClean="0"/>
+              <a:t>Deleting an Artist deletes their albums</a:t>
+            </a:r>
+          </a:p>
+          <a:p>
+            <a:pPr lvl="1"/>
+            <a:r>
+              <a:rPr lang="en-US" dirty="0" smtClean="0"/>
+              <a:t>Can be changed with the Fluent API</a:t>
+            </a:r>
+            <a:endParaRPr lang="en-US" dirty="0"/>
+          </a:p>
+        </p:txBody>
+      </p:sp>
+    </p:spTree>
+    <p:extLst>
+      <p:ext uri="{BB962C8B-B14F-4D97-AF65-F5344CB8AC3E}">
+        <p14:creationId xmlns:p14="http://schemas.microsoft.com/office/powerpoint/2010/main" val="2276870320"/>
+      </p:ext>
+    </p:extLst>
+  </p:cSld>
+  <p:clrMapOvr>
+    <a:masterClrMapping/>
+  </p:clrMapOvr>
+  <p:timing>
+    <p:tnLst>
+      <p:par>
+        <p:cTn id="1" dur="indefinite" restart="never" nodeType="tmRoot"/>
+      </p:par>
+    </p:tnLst>
+  </p:timing>
+</p:sld>
+</file>
+
+<file path=ppt/slides/slide16.xml><?xml version="1.0" encoding="utf-8"?>
+<p:sld xmlns:a="http://schemas.openxmlformats.org/drawingml/2006/main" xmlns:r="http://schemas.openxmlformats.org/officeDocument/2006/relationships" xmlns:p="http://schemas.openxmlformats.org/presentationml/2006/main">
+  <p:cSld>
+    <p:spTree>
+      <p:nvGrpSpPr>
+        <p:cNvPr id="1" name=""/>
+        <p:cNvGrpSpPr/>
+        <p:nvPr/>
+      </p:nvGrpSpPr>
+      <p:grpSpPr>
+        <a:xfrm>
+          <a:off x="0" y="0"/>
+          <a:ext cx="0" cy="0"/>
+          <a:chOff x="0" y="0"/>
+          <a:chExt cx="0" cy="0"/>
+        </a:xfrm>
+      </p:grpSpPr>
+      <p:sp>
+        <p:nvSpPr>
+          <p:cNvPr id="6" name="Text Placeholder 5"/>
+          <p:cNvSpPr>
+            <a:spLocks noGrp="1"/>
+          </p:cNvSpPr>
+          <p:nvPr>
+            <p:ph type="body" sz="quarter" idx="10"/>
+          </p:nvPr>
+        </p:nvSpPr>
+        <p:spPr/>
+        <p:txBody>
+          <a:bodyPr/>
+          <a:lstStyle/>
+          <a:p>
+            <a:r>
+              <a:rPr lang="en-US" dirty="0" smtClean="0"/>
+              <a:t>One to one relationships</a:t>
+            </a:r>
+            <a:endParaRPr lang="en-US" dirty="0"/>
+          </a:p>
+        </p:txBody>
+      </p:sp>
+      <p:sp>
+        <p:nvSpPr>
+          <p:cNvPr id="5" name="Subtitle 4"/>
+          <p:cNvSpPr>
+            <a:spLocks noGrp="1"/>
+          </p:cNvSpPr>
+          <p:nvPr>
+            <p:ph type="subTitle" idx="1"/>
+          </p:nvPr>
+        </p:nvSpPr>
+        <p:spPr/>
+        <p:txBody>
+          <a:bodyPr/>
+          <a:lstStyle/>
+          <a:p>
+            <a:endParaRPr lang="en-US" dirty="0"/>
+          </a:p>
+        </p:txBody>
+      </p:sp>
+    </p:spTree>
+    <p:extLst>
+      <p:ext uri="{BB962C8B-B14F-4D97-AF65-F5344CB8AC3E}">
+        <p14:creationId xmlns:p14="http://schemas.microsoft.com/office/powerpoint/2010/main" val="63205358"/>
+      </p:ext>
+    </p:extLst>
+  </p:cSld>
+  <p:clrMapOvr>
+    <a:masterClrMapping/>
+  </p:clrMapOvr>
+  <p:timing>
+    <p:tnLst>
+      <p:par>
+        <p:cTn id="1" dur="indefinite" restart="never" nodeType="tmRoot"/>
+      </p:par>
+    </p:tnLst>
+  </p:timing>
+</p:sld>
+</file>
+
+<file path=ppt/slides/slide17.xml><?xml version="1.0" encoding="utf-8"?>
+<p:sld xmlns:a="http://schemas.openxmlformats.org/drawingml/2006/main" xmlns:r="http://schemas.openxmlformats.org/officeDocument/2006/relationships" xmlns:p="http://schemas.openxmlformats.org/presentationml/2006/main">
+  <p:cSld>
+    <p:spTree>
+      <p:nvGrpSpPr>
+        <p:cNvPr id="1" name=""/>
+        <p:cNvGrpSpPr/>
+        <p:nvPr/>
+      </p:nvGrpSpPr>
+      <p:grpSpPr>
+        <a:xfrm>
+          <a:off x="0" y="0"/>
+          <a:ext cx="0" cy="0"/>
+          <a:chOff x="0" y="0"/>
+          <a:chExt cx="0" cy="0"/>
+        </a:xfrm>
+      </p:grpSpPr>
+      <p:sp>
+        <p:nvSpPr>
+          <p:cNvPr id="4" name="Title 3"/>
+          <p:cNvSpPr>
+            <a:spLocks noGrp="1"/>
+          </p:cNvSpPr>
+          <p:nvPr>
+            <p:ph type="title"/>
+          </p:nvPr>
+        </p:nvSpPr>
+        <p:spPr/>
+        <p:txBody>
+          <a:bodyPr/>
+          <a:lstStyle/>
+          <a:p>
+            <a:r>
+              <a:rPr lang="en-US" dirty="0" smtClean="0"/>
+              <a:t>One-to-one relationships aren't common</a:t>
+            </a:r>
+            <a:endParaRPr lang="en-US" dirty="0"/>
+          </a:p>
+        </p:txBody>
+      </p:sp>
+      <p:sp>
+        <p:nvSpPr>
+          <p:cNvPr id="5" name="Content Placeholder 4"/>
+          <p:cNvSpPr>
+            <a:spLocks noGrp="1"/>
+          </p:cNvSpPr>
+          <p:nvPr>
+            <p:ph sz="quarter" idx="10"/>
+          </p:nvPr>
+        </p:nvSpPr>
+        <p:spPr/>
+        <p:txBody>
+          <a:bodyPr/>
+          <a:lstStyle/>
+          <a:p>
+            <a:r>
+              <a:rPr lang="en-US" dirty="0" smtClean="0"/>
+              <a:t>…and Entity Framework knows it</a:t>
+            </a:r>
+          </a:p>
+          <a:p>
+            <a:r>
+              <a:rPr lang="en-US" dirty="0" smtClean="0"/>
+              <a:t>As a result, it's not expecting it</a:t>
+            </a:r>
+          </a:p>
+          <a:p>
+            <a:pPr lvl="1"/>
+            <a:r>
+              <a:rPr lang="en-US" dirty="0" smtClean="0"/>
+              <a:t>The default is one-to-many</a:t>
+            </a:r>
+          </a:p>
+          <a:p>
+            <a:pPr lvl="1"/>
+            <a:r>
+              <a:rPr lang="en-US" dirty="0" smtClean="0"/>
+              <a:t>When two classes point to one another, EF can't determine which is the parent and which is the child</a:t>
+            </a:r>
+          </a:p>
+          <a:p>
+            <a:r>
+              <a:rPr lang="en-US" dirty="0" smtClean="0"/>
+              <a:t>One-to-one relationships must be explicitly created</a:t>
+            </a:r>
+          </a:p>
+          <a:p>
+            <a:pPr lvl="1"/>
+            <a:r>
+              <a:rPr lang="en-US" dirty="0" smtClean="0"/>
+              <a:t>Add </a:t>
+            </a:r>
+            <a:r>
+              <a:rPr lang="en-US" dirty="0" err="1" smtClean="0"/>
+              <a:t>ForeignKey</a:t>
+            </a:r>
+            <a:r>
+              <a:rPr lang="en-US" dirty="0" smtClean="0"/>
+              <a:t> to the child class</a:t>
+            </a:r>
+            <a:endParaRPr lang="en-US" dirty="0"/>
+          </a:p>
+        </p:txBody>
+      </p:sp>
+    </p:spTree>
+    <p:extLst>
+      <p:ext uri="{BB962C8B-B14F-4D97-AF65-F5344CB8AC3E}">
+        <p14:creationId xmlns:p14="http://schemas.microsoft.com/office/powerpoint/2010/main" val="1854423188"/>
+      </p:ext>
+    </p:extLst>
+  </p:cSld>
+  <p:clrMapOvr>
+    <a:masterClrMapping/>
+  </p:clrMapOvr>
+  <p:timing>
+    <p:tnLst>
+      <p:par>
+        <p:cTn id="1" dur="indefinite" restart="never" nodeType="tmRoot"/>
+      </p:par>
+    </p:tnLst>
+  </p:timing>
+</p:sld>
+</file>
+
+<file path=ppt/slides/slide18.xml><?xml version="1.0" encoding="utf-8"?>
+<p:sld xmlns:a="http://schemas.openxmlformats.org/drawingml/2006/main" xmlns:r="http://schemas.openxmlformats.org/officeDocument/2006/relationships" xmlns:p="http://schemas.openxmlformats.org/presentationml/2006/main">
+  <p:cSld>
+    <p:spTree>
+      <p:nvGrpSpPr>
+        <p:cNvPr id="1" name=""/>
+        <p:cNvGrpSpPr/>
+        <p:nvPr/>
+      </p:nvGrpSpPr>
+      <p:grpSpPr>
+        <a:xfrm>
+          <a:off x="0" y="0"/>
+          <a:ext cx="0" cy="0"/>
+          <a:chOff x="0" y="0"/>
+          <a:chExt cx="0" cy="0"/>
+        </a:xfrm>
+      </p:grpSpPr>
+      <p:sp>
+        <p:nvSpPr>
+          <p:cNvPr id="4" name="Title 3"/>
+          <p:cNvSpPr>
+            <a:spLocks noGrp="1"/>
+          </p:cNvSpPr>
+          <p:nvPr>
+            <p:ph type="title"/>
+          </p:nvPr>
+        </p:nvSpPr>
+        <p:spPr/>
+        <p:txBody>
+          <a:bodyPr/>
+          <a:lstStyle/>
+          <a:p>
+            <a:r>
+              <a:rPr lang="en-US" dirty="0" smtClean="0"/>
+              <a:t>One-to-one relationships</a:t>
+            </a:r>
+            <a:endParaRPr lang="en-US" dirty="0"/>
+          </a:p>
+        </p:txBody>
+      </p:sp>
+    </p:spTree>
+    <p:extLst>
+      <p:ext uri="{BB962C8B-B14F-4D97-AF65-F5344CB8AC3E}">
+        <p14:creationId xmlns:p14="http://schemas.microsoft.com/office/powerpoint/2010/main" val="3792245662"/>
+      </p:ext>
+    </p:extLst>
+  </p:cSld>
+  <p:clrMapOvr>
+    <a:masterClrMapping/>
+  </p:clrMapOvr>
+  <p:timing>
+    <p:tnLst>
+      <p:par>
+        <p:cTn id="1" dur="indefinite" restart="never" nodeType="tmRoot"/>
+      </p:par>
+    </p:tnLst>
+  </p:timing>
+</p:sld>
+</file>
+
+<file path=ppt/slides/slide19.xml><?xml version="1.0" encoding="utf-8"?>
+<p:sld xmlns:a="http://schemas.openxmlformats.org/drawingml/2006/main" xmlns:r="http://schemas.openxmlformats.org/officeDocument/2006/relationships" xmlns:p="http://schemas.openxmlformats.org/presentationml/2006/main">
+  <p:cSld>
+    <p:spTree>
+      <p:nvGrpSpPr>
+        <p:cNvPr id="1" name=""/>
+        <p:cNvGrpSpPr/>
+        <p:nvPr/>
+      </p:nvGrpSpPr>
+      <p:grpSpPr>
+        <a:xfrm>
+          <a:off x="0" y="0"/>
+          <a:ext cx="0" cy="0"/>
+          <a:chOff x="0" y="0"/>
+          <a:chExt cx="0" cy="0"/>
+        </a:xfrm>
+      </p:grpSpPr>
+      <p:sp>
+        <p:nvSpPr>
+          <p:cNvPr id="5" name="Text Placeholder 4"/>
+          <p:cNvSpPr>
+            <a:spLocks noGrp="1"/>
+          </p:cNvSpPr>
+          <p:nvPr>
+            <p:ph type="body" sz="quarter" idx="10"/>
+          </p:nvPr>
+        </p:nvSpPr>
+        <p:spPr/>
+        <p:txBody>
+          <a:bodyPr/>
+          <a:lstStyle/>
+          <a:p>
+            <a:r>
+              <a:rPr lang="en-US" dirty="0" smtClean="0"/>
+              <a:t>Many-to-many relationships</a:t>
+            </a:r>
+            <a:endParaRPr lang="en-US" dirty="0"/>
+          </a:p>
+        </p:txBody>
+      </p:sp>
+      <p:sp>
+        <p:nvSpPr>
+          <p:cNvPr id="4" name="Subtitle 3"/>
+          <p:cNvSpPr>
+            <a:spLocks noGrp="1"/>
+          </p:cNvSpPr>
+          <p:nvPr>
+            <p:ph type="subTitle" idx="1"/>
+          </p:nvPr>
+        </p:nvSpPr>
+        <p:spPr/>
+        <p:txBody>
+          <a:bodyPr/>
+          <a:lstStyle/>
+          <a:p>
+            <a:endParaRPr lang="en-US" dirty="0"/>
+          </a:p>
+        </p:txBody>
+      </p:sp>
+    </p:spTree>
+    <p:extLst>
+      <p:ext uri="{BB962C8B-B14F-4D97-AF65-F5344CB8AC3E}">
+        <p14:creationId xmlns:p14="http://schemas.microsoft.com/office/powerpoint/2010/main" val="2990691322"/>
+      </p:ext>
+    </p:extLst>
+  </p:cSld>
+  <p:clrMapOvr>
+    <a:masterClrMapping/>
+  </p:clrMapOvr>
+  <p:timing>
+    <p:tnLst>
+      <p:par>
+        <p:cTn id="1" dur="indefinite" restart="never" nodeType="tmRoot"/>
+      </p:par>
+    </p:tnLst>
+  </p:timing>
+</p:sld>
+</file>
+
+<file path=ppt/slides/slide2.xml><?xml version="1.0" encoding="utf-8"?>
+<p:sld xmlns:a="http://schemas.openxmlformats.org/drawingml/2006/main" xmlns:r="http://schemas.openxmlformats.org/officeDocument/2006/relationships" xmlns:p="http://schemas.openxmlformats.org/presentationml/2006/main">
+  <p:cSld>
+    <p:spTree>
+      <p:nvGrpSpPr>
+        <p:cNvPr id="1" name=""/>
+        <p:cNvGrpSpPr/>
+        <p:nvPr/>
+      </p:nvGrpSpPr>
+      <p:grpSpPr>
+        <a:xfrm>
+          <a:off x="0" y="0"/>
+          <a:ext cx="0" cy="0"/>
+          <a:chOff x="0" y="0"/>
+          <a:chExt cx="0" cy="0"/>
+        </a:xfrm>
+      </p:grpSpPr>
+      <p:sp>
+        <p:nvSpPr>
+          <p:cNvPr id="4" name="Title 3"/>
+          <p:cNvSpPr>
+            <a:spLocks noGrp="1"/>
+          </p:cNvSpPr>
+          <p:nvPr>
+            <p:ph type="title"/>
+          </p:nvPr>
+        </p:nvSpPr>
+        <p:spPr/>
+        <p:txBody>
+          <a:bodyPr/>
+          <a:lstStyle/>
+          <a:p>
+            <a:r>
+              <a:rPr lang="en-US" dirty="0" smtClean="0"/>
+              <a:t>Managing Relationships</a:t>
+            </a:r>
+            <a:endParaRPr lang="en-US" dirty="0"/>
+          </a:p>
+        </p:txBody>
+      </p:sp>
+      <p:sp>
+        <p:nvSpPr>
+          <p:cNvPr id="5" name="Content Placeholder 4"/>
+          <p:cNvSpPr>
+            <a:spLocks noGrp="1"/>
+          </p:cNvSpPr>
+          <p:nvPr>
+            <p:ph sz="quarter" idx="10"/>
+          </p:nvPr>
+        </p:nvSpPr>
+        <p:spPr/>
+        <p:txBody>
+          <a:bodyPr/>
+          <a:lstStyle/>
+          <a:p>
+            <a:r>
+              <a:rPr lang="en-US" dirty="0" smtClean="0"/>
+              <a:t>One to Many Relationships</a:t>
+            </a:r>
+          </a:p>
+          <a:p>
+            <a:r>
+              <a:rPr lang="en-US" dirty="0" smtClean="0"/>
+              <a:t>One to One Relationships</a:t>
+            </a:r>
+          </a:p>
+          <a:p>
+            <a:r>
+              <a:rPr lang="en-US" dirty="0" smtClean="0"/>
+              <a:t>Many to Many Relationships</a:t>
+            </a:r>
+          </a:p>
+          <a:p>
+            <a:endParaRPr lang="en-US" dirty="0"/>
+          </a:p>
+        </p:txBody>
+      </p:sp>
+    </p:spTree>
+    <p:extLst>
+      <p:ext uri="{BB962C8B-B14F-4D97-AF65-F5344CB8AC3E}">
+        <p14:creationId xmlns:p14="http://schemas.microsoft.com/office/powerpoint/2010/main" val="1396135161"/>
+      </p:ext>
+    </p:extLst>
+  </p:cSld>
+  <p:clrMapOvr>
+    <a:masterClrMapping/>
+  </p:clrMapOvr>
+  <p:timing>
+    <p:tnLst>
+      <p:par>
+        <p:cTn id="1" dur="indefinite" restart="never" nodeType="tmRoot"/>
+      </p:par>
+    </p:tnLst>
+  </p:timing>
+</p:sld>
+</file>
+
+<file path=ppt/slides/slide20.xml><?xml version="1.0" encoding="utf-8"?>
+<p:sld xmlns:a="http://schemas.openxmlformats.org/drawingml/2006/main" xmlns:r="http://schemas.openxmlformats.org/officeDocument/2006/relationships" xmlns:p="http://schemas.openxmlformats.org/presentationml/2006/main">
+  <p:cSld>
+    <p:spTree>
+      <p:nvGrpSpPr>
+        <p:cNvPr id="1" name=""/>
+        <p:cNvGrpSpPr/>
+        <p:nvPr/>
+      </p:nvGrpSpPr>
+      <p:grpSpPr>
+        <a:xfrm>
+          <a:off x="0" y="0"/>
+          <a:ext cx="0" cy="0"/>
+          <a:chOff x="0" y="0"/>
+          <a:chExt cx="0" cy="0"/>
+        </a:xfrm>
+      </p:grpSpPr>
+      <p:sp>
+        <p:nvSpPr>
+          <p:cNvPr id="2" name="Title 1"/>
+          <p:cNvSpPr>
+            <a:spLocks noGrp="1"/>
+          </p:cNvSpPr>
+          <p:nvPr>
+            <p:ph type="title"/>
+          </p:nvPr>
+        </p:nvSpPr>
+        <p:spPr/>
+        <p:txBody>
+          <a:bodyPr/>
+          <a:lstStyle/>
+          <a:p>
+            <a:r>
+              <a:rPr lang="en-US" dirty="0" smtClean="0"/>
+              <a:t>Many-to-many relationship concepts</a:t>
+            </a:r>
+            <a:endParaRPr lang="en-US" dirty="0"/>
+          </a:p>
+        </p:txBody>
+      </p:sp>
+      <p:sp>
+        <p:nvSpPr>
+          <p:cNvPr id="3" name="Content Placeholder 2"/>
+          <p:cNvSpPr>
+            <a:spLocks noGrp="1"/>
+          </p:cNvSpPr>
+          <p:nvPr>
+            <p:ph sz="quarter" idx="10"/>
+          </p:nvPr>
+        </p:nvSpPr>
+        <p:spPr/>
+        <p:txBody>
+          <a:bodyPr/>
+          <a:lstStyle/>
+          <a:p>
+            <a:r>
+              <a:rPr lang="en-US" dirty="0" smtClean="0"/>
+              <a:t>Relational databases typically don't support many-to-many relationships natively</a:t>
+            </a:r>
+          </a:p>
+          <a:p>
+            <a:pPr lvl="1"/>
+            <a:r>
+              <a:rPr lang="en-US" dirty="0" smtClean="0"/>
+              <a:t>Requires a "join table"</a:t>
+            </a:r>
+            <a:r>
+              <a:rPr lang="en-US" dirty="0"/>
+              <a:t> </a:t>
+            </a:r>
+            <a:r>
+              <a:rPr lang="en-US" dirty="0" smtClean="0"/>
+              <a:t>be created</a:t>
+            </a:r>
+          </a:p>
+          <a:p>
+            <a:r>
+              <a:rPr lang="en-US" dirty="0" smtClean="0"/>
+              <a:t>Fortunately, EF knows this</a:t>
+            </a:r>
+          </a:p>
+          <a:p>
+            <a:pPr lvl="1"/>
+            <a:r>
+              <a:rPr lang="en-US" dirty="0" smtClean="0"/>
+              <a:t>Just add the properties to both sides</a:t>
+            </a:r>
+          </a:p>
+          <a:p>
+            <a:pPr lvl="1"/>
+            <a:r>
+              <a:rPr lang="en-US" dirty="0" smtClean="0"/>
+              <a:t>EF will create the join table</a:t>
+            </a:r>
+          </a:p>
+          <a:p>
+            <a:pPr lvl="1"/>
+            <a:endParaRPr lang="en-US" dirty="0" smtClean="0"/>
+          </a:p>
+        </p:txBody>
+      </p:sp>
+    </p:spTree>
+    <p:extLst>
+      <p:ext uri="{BB962C8B-B14F-4D97-AF65-F5344CB8AC3E}">
+        <p14:creationId xmlns:p14="http://schemas.microsoft.com/office/powerpoint/2010/main" val="922534263"/>
+      </p:ext>
+    </p:extLst>
+  </p:cSld>
+  <p:clrMapOvr>
+    <a:masterClrMapping/>
+  </p:clrMapOvr>
+  <p:timing>
+    <p:tnLst>
+      <p:par>
+        <p:cTn id="1" dur="indefinite" restart="never" nodeType="tmRoot"/>
+      </p:par>
+    </p:tnLst>
+  </p:timing>
+</p:sld>
+</file>
+
+<file path=ppt/slides/slide21.xml><?xml version="1.0" encoding="utf-8"?>
+<p:sld xmlns:a="http://schemas.openxmlformats.org/drawingml/2006/main" xmlns:r="http://schemas.openxmlformats.org/officeDocument/2006/relationships" xmlns:p="http://schemas.openxmlformats.org/presentationml/2006/main">
+  <p:cSld>
+    <p:spTree>
+      <p:nvGrpSpPr>
+        <p:cNvPr id="1" name=""/>
+        <p:cNvGrpSpPr/>
+        <p:nvPr/>
+      </p:nvGrpSpPr>
+      <p:grpSpPr>
+        <a:xfrm>
+          <a:off x="0" y="0"/>
+          <a:ext cx="0" cy="0"/>
+          <a:chOff x="0" y="0"/>
+          <a:chExt cx="0" cy="0"/>
+        </a:xfrm>
+      </p:grpSpPr>
+      <p:sp>
+        <p:nvSpPr>
+          <p:cNvPr id="4" name="Title 3"/>
+          <p:cNvSpPr>
+            <a:spLocks noGrp="1"/>
+          </p:cNvSpPr>
+          <p:nvPr>
+            <p:ph type="title"/>
+          </p:nvPr>
+        </p:nvSpPr>
+        <p:spPr/>
+        <p:txBody>
+          <a:bodyPr/>
+          <a:lstStyle/>
+          <a:p>
+            <a:r>
+              <a:rPr lang="en-US" dirty="0" smtClean="0"/>
+              <a:t>Many-to-many relationships</a:t>
+            </a:r>
+            <a:endParaRPr lang="en-US" dirty="0"/>
+          </a:p>
+        </p:txBody>
+      </p:sp>
+    </p:spTree>
+    <p:extLst>
+      <p:ext uri="{BB962C8B-B14F-4D97-AF65-F5344CB8AC3E}">
+        <p14:creationId xmlns:p14="http://schemas.microsoft.com/office/powerpoint/2010/main" val="4030443916"/>
+      </p:ext>
+    </p:extLst>
+  </p:cSld>
+  <p:clrMapOvr>
+    <a:masterClrMapping/>
+  </p:clrMapOvr>
+  <p:timing>
+    <p:tnLst>
+      <p:par>
+        <p:cTn id="1" dur="indefinite" restart="never" nodeType="tmRoot"/>
+      </p:par>
+    </p:tnLst>
+  </p:timing>
+</p:sld>
+</file>
+
+<file path=ppt/slides/slide22.xml><?xml version="1.0" encoding="utf-8"?>
+<p:sld xmlns:a="http://schemas.openxmlformats.org/drawingml/2006/main" xmlns:r="http://schemas.openxmlformats.org/officeDocument/2006/relationships" xmlns:p="http://schemas.openxmlformats.org/presentationml/2006/main">
+  <p:cSld>
+    <p:spTree>
+      <p:nvGrpSpPr>
+        <p:cNvPr id="1" name=""/>
+        <p:cNvGrpSpPr/>
+        <p:nvPr/>
+      </p:nvGrpSpPr>
+      <p:grpSpPr>
+        <a:xfrm>
+          <a:off x="0" y="0"/>
+          <a:ext cx="0" cy="0"/>
+          <a:chOff x="0" y="0"/>
+          <a:chExt cx="0" cy="0"/>
+        </a:xfrm>
+      </p:grpSpPr>
+    </p:spTree>
+    <p:extLst>
+      <p:ext uri="{BB962C8B-B14F-4D97-AF65-F5344CB8AC3E}">
+        <p14:creationId xmlns:p14="http://schemas.microsoft.com/office/powerpoint/2010/main" val="13701683"/>
+      </p:ext>
+    </p:extLst>
+  </p:cSld>
+  <p:clrMapOvr>
+    <a:masterClrMapping/>
+  </p:clrMapOvr>
+  <mc:AlternateContent xmlns:mc="http://schemas.openxmlformats.org/markup-compatibility/2006" xmlns:p14="http://schemas.microsoft.com/office/powerpoint/2010/main">
+    <mc:Choice Requires="p14">
+      <p:transition spd="slow" p14:dur="2000"/>
+    </mc:Choice>
+    <mc:Fallback xmlns="">
+      <p:transition spd="slow"/>
+    </mc:Fallback>
+  </mc:AlternateContent>
+  <p:timing>
+    <p:tnLst>
+      <p:par>
+        <p:cTn id="1" dur="indefinite" restart="never" nodeType="tmRoot"/>
+      </p:par>
+    </p:tnLst>
+  </p:timing>
+</p:sld>
+</file>
+
+<file path=ppt/slides/slide3.xml><?xml version="1.0" encoding="utf-8"?>
+<p:sld xmlns:a="http://schemas.openxmlformats.org/drawingml/2006/main" xmlns:r="http://schemas.openxmlformats.org/officeDocument/2006/relationships" xmlns:p="http://schemas.openxmlformats.org/presentationml/2006/main">
+  <p:cSld>
+    <p:spTree>
+      <p:nvGrpSpPr>
+        <p:cNvPr id="1" name=""/>
+        <p:cNvGrpSpPr/>
+        <p:nvPr/>
+      </p:nvGrpSpPr>
+      <p:grpSpPr>
+        <a:xfrm>
+          <a:off x="0" y="0"/>
+          <a:ext cx="0" cy="0"/>
+          <a:chOff x="0" y="0"/>
+          <a:chExt cx="0" cy="0"/>
+        </a:xfrm>
+      </p:grpSpPr>
+      <p:sp>
+        <p:nvSpPr>
+          <p:cNvPr id="2" name="Text Placeholder 1"/>
+          <p:cNvSpPr>
+            <a:spLocks noGrp="1"/>
+          </p:cNvSpPr>
+          <p:nvPr>
+            <p:ph type="body" sz="quarter" idx="10"/>
+          </p:nvPr>
+        </p:nvSpPr>
+        <p:spPr/>
+        <p:txBody>
+          <a:bodyPr/>
+          <a:lstStyle/>
+          <a:p>
+            <a:r>
+              <a:rPr lang="en-US" dirty="0" smtClean="0"/>
+              <a:t>One to Many Relationships</a:t>
+            </a:r>
+            <a:endParaRPr lang="en-US" dirty="0"/>
+          </a:p>
+        </p:txBody>
+      </p:sp>
+      <p:sp>
+        <p:nvSpPr>
+          <p:cNvPr id="3" name="Subtitle 2"/>
+          <p:cNvSpPr>
+            <a:spLocks noGrp="1"/>
+          </p:cNvSpPr>
+          <p:nvPr>
+            <p:ph type="subTitle" idx="1"/>
+          </p:nvPr>
+        </p:nvSpPr>
+        <p:spPr/>
+        <p:txBody>
+          <a:bodyPr/>
+          <a:lstStyle/>
+          <a:p>
+            <a:endParaRPr lang="en-US"/>
+          </a:p>
+        </p:txBody>
+      </p:sp>
+    </p:spTree>
+    <p:extLst>
+      <p:ext uri="{BB962C8B-B14F-4D97-AF65-F5344CB8AC3E}">
+        <p14:creationId xmlns:p14="http://schemas.microsoft.com/office/powerpoint/2010/main" val="3256101856"/>
+      </p:ext>
+    </p:extLst>
+  </p:cSld>
+  <p:clrMapOvr>
+    <a:masterClrMapping/>
+  </p:clrMapOvr>
+  <p:timing>
+    <p:tnLst>
+      <p:par>
+        <p:cTn id="1" dur="indefinite" restart="never" nodeType="tmRoot"/>
+      </p:par>
+    </p:tnLst>
+  </p:timing>
+</p:sld>
+</file>
+
+<file path=ppt/slides/slide4.xml><?xml version="1.0" encoding="utf-8"?>
+<p:sld xmlns:a="http://schemas.openxmlformats.org/drawingml/2006/main" xmlns:r="http://schemas.openxmlformats.org/officeDocument/2006/relationships" xmlns:p="http://schemas.openxmlformats.org/presentationml/2006/main">
+  <p:cSld>
+    <p:spTree>
+      <p:nvGrpSpPr>
+        <p:cNvPr id="1" name=""/>
+        <p:cNvGrpSpPr/>
+        <p:nvPr/>
+      </p:nvGrpSpPr>
+      <p:grpSpPr>
+        <a:xfrm>
+          <a:off x="0" y="0"/>
+          <a:ext cx="0" cy="0"/>
+          <a:chOff x="0" y="0"/>
+          <a:chExt cx="0" cy="0"/>
+        </a:xfrm>
+      </p:grpSpPr>
+      <p:sp>
+        <p:nvSpPr>
+          <p:cNvPr id="4" name="Title 3"/>
+          <p:cNvSpPr>
+            <a:spLocks noGrp="1"/>
+          </p:cNvSpPr>
+          <p:nvPr>
+            <p:ph type="title"/>
+          </p:nvPr>
+        </p:nvSpPr>
+        <p:spPr/>
+        <p:txBody>
+          <a:bodyPr/>
+          <a:lstStyle/>
+          <a:p>
+            <a:r>
+              <a:rPr lang="en-US" dirty="0" smtClean="0"/>
+              <a:t>What have we seen so far?</a:t>
+            </a:r>
+            <a:endParaRPr lang="en-US" dirty="0"/>
+          </a:p>
+        </p:txBody>
+      </p:sp>
+      <p:sp>
+        <p:nvSpPr>
+          <p:cNvPr id="5" name="Content Placeholder 4"/>
+          <p:cNvSpPr>
+            <a:spLocks noGrp="1"/>
+          </p:cNvSpPr>
+          <p:nvPr>
+            <p:ph sz="quarter" idx="10"/>
+          </p:nvPr>
+        </p:nvSpPr>
+        <p:spPr/>
+        <p:txBody>
+          <a:bodyPr/>
+          <a:lstStyle/>
+          <a:p>
+            <a:r>
+              <a:rPr lang="en-US" dirty="0" smtClean="0"/>
+              <a:t>"It just works" –Jon Galloway</a:t>
+            </a:r>
+          </a:p>
+          <a:p>
+            <a:r>
+              <a:rPr lang="en-US" dirty="0" smtClean="0"/>
+              <a:t>Basic steps</a:t>
+            </a:r>
+          </a:p>
+          <a:p>
+            <a:pPr lvl="1"/>
+            <a:r>
+              <a:rPr lang="en-US" dirty="0" smtClean="0"/>
+              <a:t>Create a class</a:t>
+            </a:r>
+          </a:p>
+          <a:p>
+            <a:pPr lvl="1"/>
+            <a:r>
+              <a:rPr lang="en-US" dirty="0" smtClean="0"/>
+              <a:t>Add properties</a:t>
+            </a:r>
+          </a:p>
+          <a:p>
+            <a:pPr lvl="1"/>
+            <a:r>
+              <a:rPr lang="en-US" dirty="0" smtClean="0"/>
+              <a:t>Decorate with attributes as needed</a:t>
+            </a:r>
+            <a:endParaRPr lang="en-US" dirty="0"/>
+          </a:p>
+        </p:txBody>
+      </p:sp>
+    </p:spTree>
+    <p:extLst>
+      <p:ext uri="{BB962C8B-B14F-4D97-AF65-F5344CB8AC3E}">
+        <p14:creationId xmlns:p14="http://schemas.microsoft.com/office/powerpoint/2010/main" val="2480184239"/>
+      </p:ext>
+    </p:extLst>
+  </p:cSld>
+  <p:clrMapOvr>
+    <a:masterClrMapping/>
+  </p:clrMapOvr>
+  <p:timing>
+    <p:tnLst>
+      <p:par>
+        <p:cTn id="1" dur="indefinite" restart="never" nodeType="tmRoot"/>
+      </p:par>
+    </p:tnLst>
+  </p:timing>
+</p:sld>
+</file>
+
+<file path=ppt/slides/slide5.xml><?xml version="1.0" encoding="utf-8"?>
+<p:sld xmlns:a="http://schemas.openxmlformats.org/drawingml/2006/main" xmlns:r="http://schemas.openxmlformats.org/officeDocument/2006/relationships" xmlns:p="http://schemas.openxmlformats.org/presentationml/2006/main">
+  <p:cSld>
+    <p:spTree>
+      <p:nvGrpSpPr>
+        <p:cNvPr id="1" name=""/>
+        <p:cNvGrpSpPr/>
+        <p:nvPr/>
+      </p:nvGrpSpPr>
+      <p:grpSpPr>
+        <a:xfrm>
+          <a:off x="0" y="0"/>
+          <a:ext cx="0" cy="0"/>
+          <a:chOff x="0" y="0"/>
+          <a:chExt cx="0" cy="0"/>
+        </a:xfrm>
+      </p:grpSpPr>
+      <p:sp>
+        <p:nvSpPr>
+          <p:cNvPr id="2" name="Title 1"/>
+          <p:cNvSpPr>
+            <a:spLocks noGrp="1"/>
+          </p:cNvSpPr>
+          <p:nvPr>
+            <p:ph type="title"/>
+          </p:nvPr>
+        </p:nvSpPr>
+        <p:spPr/>
+        <p:txBody>
+          <a:bodyPr/>
+          <a:lstStyle/>
+          <a:p>
+            <a:r>
+              <a:rPr lang="en-US" dirty="0" smtClean="0"/>
+              <a:t>Class design</a:t>
+            </a:r>
+            <a:endParaRPr lang="en-US" dirty="0"/>
+          </a:p>
+        </p:txBody>
+      </p:sp>
+      <p:sp>
+        <p:nvSpPr>
+          <p:cNvPr id="4" name="Rectangle 3"/>
+          <p:cNvSpPr/>
+          <p:nvPr/>
+        </p:nvSpPr>
+        <p:spPr>
+          <a:xfrm>
+            <a:off x="1922107" y="3331028"/>
+            <a:ext cx="2612571" cy="1754156"/>
+          </a:xfrm>
+          <a:prstGeom prst="rect">
+            <a:avLst/>
+          </a:prstGeom>
+        </p:spPr>
+        <p:style>
+          <a:lnRef idx="1">
+            <a:schemeClr val="accent1"/>
+          </a:lnRef>
+          <a:fillRef idx="2">
+            <a:schemeClr val="accent1"/>
+          </a:fillRef>
+          <a:effectRef idx="1">
+            <a:schemeClr val="accent1"/>
+          </a:effectRef>
+          <a:fontRef idx="minor">
+            <a:schemeClr val="dk1"/>
+          </a:fontRef>
+        </p:style>
+        <p:txBody>
+          <a:bodyPr rtlCol="0" anchor="ctr"/>
+          <a:lstStyle/>
+          <a:p>
+            <a:pPr algn="ctr"/>
+            <a:r>
+              <a:rPr lang="en-US" sz="2400" b="1" dirty="0" smtClean="0"/>
+              <a:t>Album</a:t>
+            </a:r>
+          </a:p>
+          <a:p>
+            <a:pPr algn="ctr"/>
+            <a:endParaRPr lang="en-US" sz="2400" dirty="0"/>
+          </a:p>
+          <a:p>
+            <a:pPr algn="ctr"/>
+            <a:r>
+              <a:rPr lang="en-US" sz="2400" dirty="0" smtClean="0"/>
+              <a:t>Title</a:t>
+            </a:r>
+          </a:p>
+          <a:p>
+            <a:pPr algn="ctr"/>
+            <a:r>
+              <a:rPr lang="en-US" sz="2400" dirty="0" err="1" smtClean="0"/>
+              <a:t>ReleaseYear</a:t>
+            </a:r>
+            <a:endParaRPr lang="en-US" sz="2400" dirty="0" smtClean="0"/>
+          </a:p>
+        </p:txBody>
+      </p:sp>
+      <p:cxnSp>
+        <p:nvCxnSpPr>
+          <p:cNvPr id="6" name="Straight Connector 5"/>
+          <p:cNvCxnSpPr/>
+          <p:nvPr/>
+        </p:nvCxnSpPr>
+        <p:spPr>
+          <a:xfrm>
+            <a:off x="1903446" y="3928188"/>
+            <a:ext cx="2631232" cy="0"/>
+          </a:xfrm>
+          <a:prstGeom prst="line">
+            <a:avLst/>
+          </a:prstGeom>
+        </p:spPr>
+        <p:style>
+          <a:lnRef idx="3">
+            <a:schemeClr val="dk1"/>
+          </a:lnRef>
+          <a:fillRef idx="0">
+            <a:schemeClr val="dk1"/>
+          </a:fillRef>
+          <a:effectRef idx="2">
+            <a:schemeClr val="dk1"/>
+          </a:effectRef>
+          <a:fontRef idx="minor">
+            <a:schemeClr val="tx1"/>
+          </a:fontRef>
+        </p:style>
+      </p:cxnSp>
+      <p:sp>
+        <p:nvSpPr>
+          <p:cNvPr id="9" name="Rectangle 8"/>
+          <p:cNvSpPr/>
+          <p:nvPr/>
+        </p:nvSpPr>
+        <p:spPr>
+          <a:xfrm>
+            <a:off x="8092750" y="2453950"/>
+            <a:ext cx="2612571" cy="1754156"/>
+          </a:xfrm>
+          <a:prstGeom prst="rect">
+            <a:avLst/>
+          </a:prstGeom>
+        </p:spPr>
+        <p:style>
+          <a:lnRef idx="1">
+            <a:schemeClr val="accent6"/>
+          </a:lnRef>
+          <a:fillRef idx="2">
+            <a:schemeClr val="accent6"/>
+          </a:fillRef>
+          <a:effectRef idx="1">
+            <a:schemeClr val="accent6"/>
+          </a:effectRef>
+          <a:fontRef idx="minor">
+            <a:schemeClr val="dk1"/>
+          </a:fontRef>
+        </p:style>
+        <p:txBody>
+          <a:bodyPr rtlCol="0" anchor="ctr"/>
+          <a:lstStyle/>
+          <a:p>
+            <a:pPr algn="ctr"/>
+            <a:r>
+              <a:rPr lang="en-US" sz="2400" b="1" dirty="0" smtClean="0"/>
+              <a:t>Artist</a:t>
+            </a:r>
+          </a:p>
+          <a:p>
+            <a:pPr algn="ctr"/>
+            <a:endParaRPr lang="en-US" sz="2400" dirty="0"/>
+          </a:p>
+          <a:p>
+            <a:pPr algn="ctr"/>
+            <a:r>
+              <a:rPr lang="en-US" sz="2400" dirty="0" smtClean="0"/>
+              <a:t>Name</a:t>
+            </a:r>
+          </a:p>
+          <a:p>
+            <a:pPr algn="ctr"/>
+            <a:r>
+              <a:rPr lang="en-US" sz="2400" dirty="0" smtClean="0"/>
+              <a:t>Bio</a:t>
+            </a:r>
+          </a:p>
+        </p:txBody>
+      </p:sp>
+      <p:cxnSp>
+        <p:nvCxnSpPr>
+          <p:cNvPr id="10" name="Straight Connector 9"/>
+          <p:cNvCxnSpPr/>
+          <p:nvPr/>
+        </p:nvCxnSpPr>
+        <p:spPr>
+          <a:xfrm>
+            <a:off x="8074089" y="3051110"/>
+            <a:ext cx="2631232" cy="0"/>
+          </a:xfrm>
+          <a:prstGeom prst="line">
+            <a:avLst/>
+          </a:prstGeom>
+        </p:spPr>
+        <p:style>
+          <a:lnRef idx="3">
+            <a:schemeClr val="dk1"/>
+          </a:lnRef>
+          <a:fillRef idx="0">
+            <a:schemeClr val="dk1"/>
+          </a:fillRef>
+          <a:effectRef idx="2">
+            <a:schemeClr val="dk1"/>
+          </a:effectRef>
+          <a:fontRef idx="minor">
+            <a:schemeClr val="tx1"/>
+          </a:fontRef>
+        </p:style>
+      </p:cxnSp>
+      <p:cxnSp>
+        <p:nvCxnSpPr>
+          <p:cNvPr id="12" name="Elbow Connector 11"/>
+          <p:cNvCxnSpPr>
+            <a:stCxn id="4" idx="3"/>
+            <a:endCxn id="9" idx="1"/>
+          </p:cNvCxnSpPr>
+          <p:nvPr/>
+        </p:nvCxnSpPr>
+        <p:spPr>
+          <a:xfrm flipV="1">
+            <a:off x="4534678" y="3331028"/>
+            <a:ext cx="3558072" cy="877078"/>
+          </a:xfrm>
+          <a:prstGeom prst="bentConnector3">
+            <a:avLst/>
+          </a:prstGeom>
+          <a:ln>
+            <a:tailEnd type="triangle"/>
+          </a:ln>
+        </p:spPr>
+        <p:style>
+          <a:lnRef idx="3">
+            <a:schemeClr val="accent4"/>
+          </a:lnRef>
+          <a:fillRef idx="0">
+            <a:schemeClr val="accent4"/>
+          </a:fillRef>
+          <a:effectRef idx="2">
+            <a:schemeClr val="accent4"/>
+          </a:effectRef>
+          <a:fontRef idx="minor">
+            <a:schemeClr val="tx1"/>
+          </a:fontRef>
+        </p:style>
+      </p:cxnSp>
+      <p:sp>
+        <p:nvSpPr>
+          <p:cNvPr id="15" name="TextBox 14"/>
+          <p:cNvSpPr txBox="1"/>
+          <p:nvPr/>
+        </p:nvSpPr>
+        <p:spPr>
+          <a:xfrm>
+            <a:off x="7483151" y="2593910"/>
+            <a:ext cx="340158" cy="461665"/>
+          </a:xfrm>
+          <a:prstGeom prst="rect">
+            <a:avLst/>
+          </a:prstGeom>
+          <a:noFill/>
+        </p:spPr>
+        <p:txBody>
+          <a:bodyPr wrap="none" rtlCol="0">
+            <a:spAutoFit/>
+          </a:bodyPr>
+          <a:lstStyle/>
+          <a:p>
+            <a:r>
+              <a:rPr lang="en-US" sz="2400" dirty="0" smtClean="0"/>
+              <a:t>1</a:t>
+            </a:r>
+            <a:endParaRPr lang="en-US" sz="2400" dirty="0"/>
+          </a:p>
+        </p:txBody>
+      </p:sp>
+      <p:sp>
+        <p:nvSpPr>
+          <p:cNvPr id="16" name="TextBox 15"/>
+          <p:cNvSpPr txBox="1"/>
+          <p:nvPr/>
+        </p:nvSpPr>
+        <p:spPr>
+          <a:xfrm flipH="1">
+            <a:off x="4777272" y="4385006"/>
+            <a:ext cx="261258" cy="461665"/>
+          </a:xfrm>
+          <a:prstGeom prst="rect">
+            <a:avLst/>
+          </a:prstGeom>
+          <a:noFill/>
+        </p:spPr>
+        <p:txBody>
+          <a:bodyPr wrap="square" rtlCol="0">
+            <a:spAutoFit/>
+          </a:bodyPr>
+          <a:lstStyle/>
+          <a:p>
+            <a:r>
+              <a:rPr lang="en-US" sz="2400" dirty="0" smtClean="0"/>
+              <a:t>*</a:t>
+            </a:r>
+            <a:endParaRPr lang="en-US" sz="2400" dirty="0"/>
+          </a:p>
+        </p:txBody>
+      </p:sp>
+    </p:spTree>
+    <p:extLst>
+      <p:ext uri="{BB962C8B-B14F-4D97-AF65-F5344CB8AC3E}">
+        <p14:creationId xmlns:p14="http://schemas.microsoft.com/office/powerpoint/2010/main" val="3759462144"/>
+      </p:ext>
+    </p:extLst>
+  </p:cSld>
+  <p:clrMapOvr>
+    <a:masterClrMapping/>
+  </p:clrMapOvr>
+  <p:timing>
+    <p:tnLst>
+      <p:par>
+        <p:cTn id="1" dur="indefinite" restart="never" nodeType="tmRoot"/>
+      </p:par>
+    </p:tnLst>
+  </p:timing>
+</p:sld>
+</file>
+
+<file path=ppt/slides/slide6.xml><?xml version="1.0" encoding="utf-8"?>
+<p:sld xmlns:a="http://schemas.openxmlformats.org/drawingml/2006/main" xmlns:r="http://schemas.openxmlformats.org/officeDocument/2006/relationships" xmlns:p="http://schemas.openxmlformats.org/presentationml/2006/main">
+  <p:cSld>
+    <p:spTree>
+      <p:nvGrpSpPr>
+        <p:cNvPr id="1" name=""/>
+        <p:cNvGrpSpPr/>
+        <p:nvPr/>
+      </p:nvGrpSpPr>
+      <p:grpSpPr>
+        <a:xfrm>
+          <a:off x="0" y="0"/>
+          <a:ext cx="0" cy="0"/>
+          <a:chOff x="0" y="0"/>
+          <a:chExt cx="0" cy="0"/>
+        </a:xfrm>
+      </p:grpSpPr>
+      <p:sp>
+        <p:nvSpPr>
+          <p:cNvPr id="2" name="Title 1"/>
+          <p:cNvSpPr>
+            <a:spLocks noGrp="1"/>
+          </p:cNvSpPr>
+          <p:nvPr>
+            <p:ph type="title"/>
+          </p:nvPr>
+        </p:nvSpPr>
+        <p:spPr/>
+        <p:txBody>
+          <a:bodyPr/>
+          <a:lstStyle/>
+          <a:p>
+            <a:r>
+              <a:rPr lang="en-US" dirty="0" smtClean="0"/>
+              <a:t>So, if I wanted to create a relationship…</a:t>
+            </a:r>
+            <a:endParaRPr lang="en-US" dirty="0"/>
+          </a:p>
+        </p:txBody>
+      </p:sp>
+      <p:sp>
+        <p:nvSpPr>
+          <p:cNvPr id="3" name="Content Placeholder 2"/>
+          <p:cNvSpPr>
+            <a:spLocks noGrp="1"/>
+          </p:cNvSpPr>
+          <p:nvPr>
+            <p:ph sz="quarter" idx="10"/>
+          </p:nvPr>
+        </p:nvSpPr>
+        <p:spPr/>
+        <p:txBody>
+          <a:bodyPr/>
+          <a:lstStyle/>
+          <a:p>
+            <a:r>
+              <a:rPr lang="en-US" dirty="0" smtClean="0"/>
+              <a:t>I should be able to just add properties, right?</a:t>
+            </a:r>
+            <a:endParaRPr lang="en-US" dirty="0"/>
+          </a:p>
+        </p:txBody>
+      </p:sp>
+    </p:spTree>
+    <p:extLst>
+      <p:ext uri="{BB962C8B-B14F-4D97-AF65-F5344CB8AC3E}">
+        <p14:creationId xmlns:p14="http://schemas.microsoft.com/office/powerpoint/2010/main" val="3292191880"/>
+      </p:ext>
+    </p:extLst>
+  </p:cSld>
+  <p:clrMapOvr>
+    <a:masterClrMapping/>
+  </p:clrMapOvr>
+  <p:timing>
+    <p:tnLst>
+      <p:par>
+        <p:cTn id="1" dur="indefinite" restart="never" nodeType="tmRoot">
+          <p:childTnLst>
+            <p:seq concurrent="1" nextAc="seek">
+              <p:cTn id="2" dur="indefinite" nodeType="mainSeq">
+                <p:childTnLst>
+                  <p:par>
+                    <p:cTn id="3" fill="hold">
+                      <p:stCondLst>
+                        <p:cond delay="indefinite"/>
+                      </p:stCondLst>
+                      <p:childTnLst>
+                        <p:par>
+                          <p:cTn id="4" fill="hold">
+                            <p:stCondLst>
+                              <p:cond delay="0"/>
+                            </p:stCondLst>
+                            <p:childTnLst>
+                              <p:par>
+                                <p:cTn id="5" presetID="10" presetClass="entr" presetSubtype="0" fill="hold" nodeType="clickEffect">
+                                  <p:stCondLst>
+                                    <p:cond delay="0"/>
+                                  </p:stCondLst>
+                                  <p:childTnLst>
+                                    <p:set>
+                                      <p:cBhvr>
+                                        <p:cTn id="6" dur="1" fill="hold">
+                                          <p:stCondLst>
+                                            <p:cond delay="0"/>
+                                          </p:stCondLst>
+                                        </p:cTn>
+                                        <p:tgtEl>
+                                          <p:spTgt spid="3">
+                                            <p:txEl>
+                                              <p:pRg st="0" end="0"/>
+                                            </p:txEl>
+                                          </p:spTgt>
+                                        </p:tgtEl>
+                                        <p:attrNameLst>
+                                          <p:attrName>style.visibility</p:attrName>
+                                        </p:attrNameLst>
+                                      </p:cBhvr>
+                                      <p:to>
+                                        <p:strVal val="visible"/>
+                                      </p:to>
+                                    </p:set>
+                                    <p:animEffect transition="in" filter="fade">
+                                      <p:cBhvr>
+                                        <p:cTn id="7" dur="500"/>
+                                        <p:tgtEl>
+                                          <p:spTgt spid="3">
+                                            <p:txEl>
+                                              <p:pRg st="0" end="0"/>
+                                            </p:txEl>
+                                          </p:spTgt>
+                                        </p:tgtEl>
+                                      </p:cBhvr>
+                                    </p:animEffect>
+                                  </p:childTnLst>
+                                </p:cTn>
+                              </p:par>
+                            </p:childTnLst>
+                          </p:cTn>
+                        </p:par>
+                      </p:childTnLst>
+                    </p:cTn>
+                  </p:par>
+                </p:childTnLst>
+              </p:cTn>
+              <p:prevCondLst>
+                <p:cond evt="onPrev" delay="0">
+                  <p:tgtEl>
+                    <p:sldTgt/>
+                  </p:tgtEl>
+                </p:cond>
+              </p:prevCondLst>
+              <p:nextCondLst>
+                <p:cond evt="onNext" delay="0">
+                  <p:tgtEl>
+                    <p:sldTgt/>
+                  </p:tgtEl>
+                </p:cond>
+              </p:nextCondLst>
+            </p:seq>
+          </p:childTnLst>
+        </p:cTn>
+      </p:par>
+    </p:tnLst>
+  </p:timing>
+</p:sld>
+</file>
+
+<file path=ppt/slides/slide7.xml><?xml version="1.0" encoding="utf-8"?>
+<p:sld xmlns:a="http://schemas.openxmlformats.org/drawingml/2006/main" xmlns:r="http://schemas.openxmlformats.org/officeDocument/2006/relationships" xmlns:p="http://schemas.openxmlformats.org/presentationml/2006/main">
+  <p:cSld>
+    <p:spTree>
+      <p:nvGrpSpPr>
+        <p:cNvPr id="1" name=""/>
+        <p:cNvGrpSpPr/>
+        <p:nvPr/>
+      </p:nvGrpSpPr>
+      <p:grpSpPr>
+        <a:xfrm>
+          <a:off x="0" y="0"/>
+          <a:ext cx="0" cy="0"/>
+          <a:chOff x="0" y="0"/>
+          <a:chExt cx="0" cy="0"/>
+        </a:xfrm>
+      </p:grpSpPr>
+      <p:sp>
+        <p:nvSpPr>
+          <p:cNvPr id="2" name="Title 1"/>
+          <p:cNvSpPr>
+            <a:spLocks noGrp="1"/>
+          </p:cNvSpPr>
+          <p:nvPr>
+            <p:ph type="title"/>
+          </p:nvPr>
+        </p:nvSpPr>
+        <p:spPr/>
+        <p:txBody>
+          <a:bodyPr/>
+          <a:lstStyle/>
+          <a:p>
+            <a:r>
+              <a:rPr lang="en-US" dirty="0" smtClean="0"/>
+              <a:t>Let's just see what happens…</a:t>
+            </a:r>
+            <a:endParaRPr lang="en-US" dirty="0"/>
+          </a:p>
+        </p:txBody>
+      </p:sp>
+    </p:spTree>
+    <p:extLst>
+      <p:ext uri="{BB962C8B-B14F-4D97-AF65-F5344CB8AC3E}">
+        <p14:creationId xmlns:p14="http://schemas.microsoft.com/office/powerpoint/2010/main" val="4107437968"/>
+      </p:ext>
+    </p:extLst>
+  </p:cSld>
+  <p:clrMapOvr>
+    <a:masterClrMapping/>
+  </p:clrMapOvr>
+  <p:timing>
+    <p:tnLst>
+      <p:par>
+        <p:cTn id="1" dur="indefinite" restart="never" nodeType="tmRoot"/>
+      </p:par>
+    </p:tnLst>
+  </p:timing>
+</p:sld>
+</file>
+
+<file path=ppt/slides/slide8.xml><?xml version="1.0" encoding="utf-8"?>
+<p:sld xmlns:a="http://schemas.openxmlformats.org/drawingml/2006/main" xmlns:r="http://schemas.openxmlformats.org/officeDocument/2006/relationships" xmlns:p="http://schemas.openxmlformats.org/presentationml/2006/main">
+  <p:cSld>
+    <p:bg>
+      <p:bgPr>
+        <a:solidFill>
+          <a:schemeClr val="accent2">
+            <a:lumMod val="75000"/>
+          </a:schemeClr>
+        </a:solidFill>
+        <a:effectLst/>
+      </p:bgPr>
+    </p:bg>
+    <p:spTree>
+      <p:nvGrpSpPr>
+        <p:cNvPr id="1" name=""/>
+        <p:cNvGrpSpPr/>
+        <p:nvPr/>
+      </p:nvGrpSpPr>
+      <p:grpSpPr>
+        <a:xfrm>
+          <a:off x="0" y="0"/>
+          <a:ext cx="0" cy="0"/>
+          <a:chOff x="0" y="0"/>
+          <a:chExt cx="0" cy="0"/>
+        </a:xfrm>
+      </p:grpSpPr>
+      <p:sp>
+        <p:nvSpPr>
+          <p:cNvPr id="3" name="TextBox 2"/>
+          <p:cNvSpPr txBox="1"/>
+          <p:nvPr/>
+        </p:nvSpPr>
+        <p:spPr>
+          <a:xfrm>
+            <a:off x="1789212" y="2828836"/>
+            <a:ext cx="8613576" cy="1200329"/>
+          </a:xfrm>
+          <a:prstGeom prst="rect">
+            <a:avLst/>
+          </a:prstGeom>
+          <a:noFill/>
+        </p:spPr>
+        <p:txBody>
+          <a:bodyPr wrap="none" rtlCol="0">
+            <a:spAutoFit/>
+          </a:bodyPr>
+          <a:lstStyle/>
+          <a:p>
+            <a:r>
+              <a:rPr lang="en-US" sz="7200" dirty="0" smtClean="0">
+                <a:solidFill>
+                  <a:schemeClr val="bg1"/>
+                </a:solidFill>
+              </a:rPr>
+              <a:t>Well, that didn't work!</a:t>
+            </a:r>
+            <a:endParaRPr lang="en-US" sz="7200" dirty="0">
+              <a:solidFill>
+                <a:schemeClr val="bg1"/>
+              </a:solidFill>
+            </a:endParaRPr>
+          </a:p>
+        </p:txBody>
+      </p:sp>
+    </p:spTree>
+    <p:extLst>
+      <p:ext uri="{BB962C8B-B14F-4D97-AF65-F5344CB8AC3E}">
+        <p14:creationId xmlns:p14="http://schemas.microsoft.com/office/powerpoint/2010/main" val="2597123756"/>
+      </p:ext>
+    </p:extLst>
+  </p:cSld>
+  <p:clrMapOvr>
+    <a:masterClrMapping/>
+  </p:clrMapOvr>
+  <p:timing>
+    <p:tnLst>
+      <p:par>
+        <p:cTn id="1" dur="indefinite" restart="never" nodeType="tmRoot"/>
+      </p:par>
+    </p:tnLst>
+  </p:timing>
+</p:sld>
+</file>
+
+<file path=ppt/slides/slide9.xml><?xml version="1.0" encoding="utf-8"?>
+<p:sld xmlns:a="http://schemas.openxmlformats.org/drawingml/2006/main" xmlns:r="http://schemas.openxmlformats.org/officeDocument/2006/relationships" xmlns:p="http://schemas.openxmlformats.org/presentationml/2006/main">
+  <p:cSld>
+    <p:spTree>
+      <p:nvGrpSpPr>
+        <p:cNvPr id="1" name=""/>
+        <p:cNvGrpSpPr/>
+        <p:nvPr/>
+      </p:nvGrpSpPr>
+      <p:grpSpPr>
+        <a:xfrm>
+          <a:off x="0" y="0"/>
+          <a:ext cx="0" cy="0"/>
+          <a:chOff x="0" y="0"/>
+          <a:chExt cx="0" cy="0"/>
+        </a:xfrm>
+      </p:grpSpPr>
+      <p:sp>
+        <p:nvSpPr>
+          <p:cNvPr id="2" name="Title 1"/>
+          <p:cNvSpPr>
+            <a:spLocks noGrp="1"/>
+          </p:cNvSpPr>
+          <p:nvPr>
+            <p:ph type="title"/>
+          </p:nvPr>
+        </p:nvSpPr>
+        <p:spPr/>
+        <p:txBody>
+          <a:bodyPr/>
+          <a:lstStyle/>
+          <a:p>
+            <a:r>
+              <a:rPr lang="en-US" dirty="0" smtClean="0"/>
+              <a:t>Why did we get a null reference error?</a:t>
+            </a:r>
+            <a:endParaRPr lang="en-US" dirty="0"/>
+          </a:p>
+        </p:txBody>
+      </p:sp>
+      <p:sp>
+        <p:nvSpPr>
+          <p:cNvPr id="3" name="Content Placeholder 2"/>
+          <p:cNvSpPr>
+            <a:spLocks noGrp="1"/>
+          </p:cNvSpPr>
+          <p:nvPr>
+            <p:ph sz="quarter" idx="10"/>
+          </p:nvPr>
+        </p:nvSpPr>
+        <p:spPr/>
+        <p:txBody>
+          <a:bodyPr/>
+          <a:lstStyle/>
+          <a:p>
+            <a:r>
+              <a:rPr lang="en-US" dirty="0" smtClean="0"/>
+              <a:t>Entity Framework uses lazy loading by default</a:t>
+            </a:r>
+          </a:p>
+          <a:p>
+            <a:r>
+              <a:rPr lang="en-US" dirty="0" smtClean="0"/>
+              <a:t>"Magic" to make this work uses dependency injection &amp; inheritance</a:t>
+            </a:r>
+            <a:endParaRPr lang="en-US" dirty="0"/>
+          </a:p>
+        </p:txBody>
+      </p:sp>
+    </p:spTree>
+    <p:extLst>
+      <p:ext uri="{BB962C8B-B14F-4D97-AF65-F5344CB8AC3E}">
+        <p14:creationId xmlns:p14="http://schemas.microsoft.com/office/powerpoint/2010/main" val="768392387"/>
+      </p:ext>
+    </p:extLst>
+  </p:cSld>
+  <p:clrMapOvr>
+    <a:masterClrMapping/>
+  </p:clrMapOvr>
+  <p:timing>
+    <p:tnLst>
+      <p:par>
+        <p:cTn id="1" dur="indefinite" restart="never" nodeType="tmRoot"/>
+      </p:par>
+    </p:tnLst>
   </p:timing>
 </p:sld>
 </file>
@@ -7291,18 +7385,18 @@
 </file>
 
 <file path=customXml/item1.xml><?xml version="1.0" encoding="utf-8"?>
-<p:properties xmlns:p="http://schemas.microsoft.com/office/2006/metadata/properties" xmlns:xsi="http://www.w3.org/2001/XMLSchema-instance" xmlns:pc="http://schemas.microsoft.com/office/infopath/2007/PartnerControls">
-  <documentManagement/>
-</p:properties>
-</file>
-
-<file path=customXml/item2.xml><?xml version="1.0" encoding="utf-8"?>
 <?mso-contentType ?>
 <FormTemplates xmlns="http://schemas.microsoft.com/sharepoint/v3/contenttype/forms">
   <Display>DocumentLibraryForm</Display>
   <Edit>DocumentLibraryForm</Edit>
   <New>DocumentLibraryForm</New>
 </FormTemplates>
+</file>
+
+<file path=customXml/item2.xml><?xml version="1.0" encoding="utf-8"?>
+<p:properties xmlns:p="http://schemas.microsoft.com/office/2006/metadata/properties" xmlns:xsi="http://www.w3.org/2001/XMLSchema-instance" xmlns:pc="http://schemas.microsoft.com/office/infopath/2007/PartnerControls">
+  <documentManagement/>
+</p:properties>
 </file>
 
 <file path=customXml/item3.xml><?xml version="1.0" encoding="utf-8"?>
@@ -7446,6 +7540,14 @@
 </file>
 
 <file path=customXml/itemProps1.xml><?xml version="1.0" encoding="utf-8"?>
+<ds:datastoreItem xmlns:ds="http://schemas.openxmlformats.org/officeDocument/2006/customXml" ds:itemID="{B0CA13EC-1D3C-4D6F-8D1C-E8A452CFC79A}">
+  <ds:schemaRefs>
+    <ds:schemaRef ds:uri="http://schemas.microsoft.com/sharepoint/v3/contenttype/forms"/>
+  </ds:schemaRefs>
+</ds:datastoreItem>
+</file>
+
+<file path=customXml/itemProps2.xml><?xml version="1.0" encoding="utf-8"?>
 <ds:datastoreItem xmlns:ds="http://schemas.openxmlformats.org/officeDocument/2006/customXml" ds:itemID="{7025FDD9-4C58-4084-9F89-0E6ADD6FFF55}">
   <ds:schemaRefs>
     <ds:schemaRef ds:uri="http://purl.org/dc/terms/"/>
@@ -7457,14 +7559,6 @@
     <ds:schemaRef ds:uri="239b4775-11ac-4188-ac69-b5b775bb2155"/>
     <ds:schemaRef ds:uri="http://schemas.microsoft.com/office/2006/metadata/properties"/>
     <ds:schemaRef ds:uri="http://www.w3.org/XML/1998/namespace"/>
-  </ds:schemaRefs>
-</ds:datastoreItem>
-</file>
-
-<file path=customXml/itemProps2.xml><?xml version="1.0" encoding="utf-8"?>
-<ds:datastoreItem xmlns:ds="http://schemas.openxmlformats.org/officeDocument/2006/customXml" ds:itemID="{B0CA13EC-1D3C-4D6F-8D1C-E8A452CFC79A}">
-  <ds:schemaRefs>
-    <ds:schemaRef ds:uri="http://schemas.microsoft.com/sharepoint/v3/contenttype/forms"/>
   </ds:schemaRefs>
 </ds:datastoreItem>
 </file>
